--- a/docs/Multi-Agent Collision Avoidance.pptx
+++ b/docs/Multi-Agent Collision Avoidance.pptx
@@ -6,11 +6,13 @@
   </p:sldMasterIdLst>
   <p:sldIdLst>
     <p:sldId id="256" r:id="rId2"/>
-    <p:sldId id="257" r:id="rId3"/>
-    <p:sldId id="258" r:id="rId4"/>
-    <p:sldId id="259" r:id="rId5"/>
-    <p:sldId id="260" r:id="rId6"/>
-    <p:sldId id="261" r:id="rId7"/>
+    <p:sldId id="262" r:id="rId3"/>
+    <p:sldId id="257" r:id="rId4"/>
+    <p:sldId id="258" r:id="rId5"/>
+    <p:sldId id="259" r:id="rId6"/>
+    <p:sldId id="260" r:id="rId7"/>
+    <p:sldId id="261" r:id="rId8"/>
+    <p:sldId id="263" r:id="rId9"/>
   </p:sldIdLst>
   <p:sldSz cx="12192000" cy="6858000"/>
   <p:notesSz cx="6858000" cy="9144000"/>
@@ -109,6 +111,11 @@
       </a:defRPr>
     </a:lvl9pPr>
   </p:defaultTextStyle>
+  <p:extLst>
+    <p:ext uri="{EFAFB233-063F-42B5-8137-9DF3F51BA10A}">
+      <p15:sldGuideLst xmlns:p15="http://schemas.microsoft.com/office/powerpoint/2012/main"/>
+    </p:ext>
+  </p:extLst>
 </p:presentation>
 </file>
 
@@ -154,10 +161,9 @@
           </a:lstStyle>
           <a:p>
             <a:r>
-              <a:rPr lang="en-US" smtClean="0"/>
+              <a:rPr lang="en-US"/>
               <a:t>Click to edit Master title style</a:t>
             </a:r>
-            <a:endParaRPr lang="en-US"/>
           </a:p>
         </p:txBody>
       </p:sp>
@@ -219,10 +225,9 @@
           </a:lstStyle>
           <a:p>
             <a:r>
-              <a:rPr lang="en-US" smtClean="0"/>
+              <a:rPr lang="en-US"/>
               <a:t>Click to edit Master subtitle style</a:t>
             </a:r>
-            <a:endParaRPr lang="en-US"/>
           </a:p>
         </p:txBody>
       </p:sp>
@@ -243,7 +248,7 @@
           <a:p>
             <a:fld id="{FA2CA72C-871A-4971-B2F9-F21ECB88F107}" type="datetimeFigureOut">
               <a:rPr lang="en-US" smtClean="0"/>
-              <a:t>2/22/2016</a:t>
+              <a:t>2/23/2016</a:t>
             </a:fld>
             <a:endParaRPr lang="en-US"/>
           </a:p>
@@ -337,10 +342,9 @@
           <a:lstStyle/>
           <a:p>
             <a:r>
-              <a:rPr lang="en-US" smtClean="0"/>
+              <a:rPr lang="en-US"/>
               <a:t>Click to edit Master title style</a:t>
             </a:r>
-            <a:endParaRPr lang="en-US"/>
           </a:p>
         </p:txBody>
       </p:sp>
@@ -361,38 +365,37 @@
           <a:p>
             <a:pPr lvl="0"/>
             <a:r>
-              <a:rPr lang="en-US" smtClean="0"/>
+              <a:rPr lang="en-US"/>
               <a:t>Edit Master text styles</a:t>
             </a:r>
           </a:p>
           <a:p>
             <a:pPr lvl="1"/>
             <a:r>
-              <a:rPr lang="en-US" smtClean="0"/>
+              <a:rPr lang="en-US"/>
               <a:t>Second level</a:t>
             </a:r>
           </a:p>
           <a:p>
             <a:pPr lvl="2"/>
             <a:r>
-              <a:rPr lang="en-US" smtClean="0"/>
+              <a:rPr lang="en-US"/>
               <a:t>Third level</a:t>
             </a:r>
           </a:p>
           <a:p>
             <a:pPr lvl="3"/>
             <a:r>
-              <a:rPr lang="en-US" smtClean="0"/>
+              <a:rPr lang="en-US"/>
               <a:t>Fourth level</a:t>
             </a:r>
           </a:p>
           <a:p>
             <a:pPr lvl="4"/>
             <a:r>
-              <a:rPr lang="en-US" smtClean="0"/>
+              <a:rPr lang="en-US"/>
               <a:t>Fifth level</a:t>
             </a:r>
-            <a:endParaRPr lang="en-US"/>
           </a:p>
         </p:txBody>
       </p:sp>
@@ -413,7 +416,7 @@
           <a:p>
             <a:fld id="{FA2CA72C-871A-4971-B2F9-F21ECB88F107}" type="datetimeFigureOut">
               <a:rPr lang="en-US" smtClean="0"/>
-              <a:t>2/22/2016</a:t>
+              <a:t>2/23/2016</a:t>
             </a:fld>
             <a:endParaRPr lang="en-US"/>
           </a:p>
@@ -512,10 +515,9 @@
           <a:lstStyle/>
           <a:p>
             <a:r>
-              <a:rPr lang="en-US" smtClean="0"/>
+              <a:rPr lang="en-US"/>
               <a:t>Click to edit Master title style</a:t>
             </a:r>
-            <a:endParaRPr lang="en-US"/>
           </a:p>
         </p:txBody>
       </p:sp>
@@ -541,38 +543,37 @@
           <a:p>
             <a:pPr lvl="0"/>
             <a:r>
-              <a:rPr lang="en-US" smtClean="0"/>
+              <a:rPr lang="en-US"/>
               <a:t>Edit Master text styles</a:t>
             </a:r>
           </a:p>
           <a:p>
             <a:pPr lvl="1"/>
             <a:r>
-              <a:rPr lang="en-US" smtClean="0"/>
+              <a:rPr lang="en-US"/>
               <a:t>Second level</a:t>
             </a:r>
           </a:p>
           <a:p>
             <a:pPr lvl="2"/>
             <a:r>
-              <a:rPr lang="en-US" smtClean="0"/>
+              <a:rPr lang="en-US"/>
               <a:t>Third level</a:t>
             </a:r>
           </a:p>
           <a:p>
             <a:pPr lvl="3"/>
             <a:r>
-              <a:rPr lang="en-US" smtClean="0"/>
+              <a:rPr lang="en-US"/>
               <a:t>Fourth level</a:t>
             </a:r>
           </a:p>
           <a:p>
             <a:pPr lvl="4"/>
             <a:r>
-              <a:rPr lang="en-US" smtClean="0"/>
+              <a:rPr lang="en-US"/>
               <a:t>Fifth level</a:t>
             </a:r>
-            <a:endParaRPr lang="en-US"/>
           </a:p>
         </p:txBody>
       </p:sp>
@@ -593,7 +594,7 @@
           <a:p>
             <a:fld id="{FA2CA72C-871A-4971-B2F9-F21ECB88F107}" type="datetimeFigureOut">
               <a:rPr lang="en-US" smtClean="0"/>
-              <a:t>2/22/2016</a:t>
+              <a:t>2/23/2016</a:t>
             </a:fld>
             <a:endParaRPr lang="en-US"/>
           </a:p>
@@ -687,10 +688,9 @@
           <a:lstStyle/>
           <a:p>
             <a:r>
-              <a:rPr lang="en-US" smtClean="0"/>
+              <a:rPr lang="en-US"/>
               <a:t>Click to edit Master title style</a:t>
             </a:r>
-            <a:endParaRPr lang="en-US"/>
           </a:p>
         </p:txBody>
       </p:sp>
@@ -711,38 +711,37 @@
           <a:p>
             <a:pPr lvl="0"/>
             <a:r>
-              <a:rPr lang="en-US" smtClean="0"/>
+              <a:rPr lang="en-US"/>
               <a:t>Edit Master text styles</a:t>
             </a:r>
           </a:p>
           <a:p>
             <a:pPr lvl="1"/>
             <a:r>
-              <a:rPr lang="en-US" smtClean="0"/>
+              <a:rPr lang="en-US"/>
               <a:t>Second level</a:t>
             </a:r>
           </a:p>
           <a:p>
             <a:pPr lvl="2"/>
             <a:r>
-              <a:rPr lang="en-US" smtClean="0"/>
+              <a:rPr lang="en-US"/>
               <a:t>Third level</a:t>
             </a:r>
           </a:p>
           <a:p>
             <a:pPr lvl="3"/>
             <a:r>
-              <a:rPr lang="en-US" smtClean="0"/>
+              <a:rPr lang="en-US"/>
               <a:t>Fourth level</a:t>
             </a:r>
           </a:p>
           <a:p>
             <a:pPr lvl="4"/>
             <a:r>
-              <a:rPr lang="en-US" smtClean="0"/>
+              <a:rPr lang="en-US"/>
               <a:t>Fifth level</a:t>
             </a:r>
-            <a:endParaRPr lang="en-US"/>
           </a:p>
         </p:txBody>
       </p:sp>
@@ -763,7 +762,7 @@
           <a:p>
             <a:fld id="{FA2CA72C-871A-4971-B2F9-F21ECB88F107}" type="datetimeFigureOut">
               <a:rPr lang="en-US" smtClean="0"/>
-              <a:t>2/22/2016</a:t>
+              <a:t>2/23/2016</a:t>
             </a:fld>
             <a:endParaRPr lang="en-US"/>
           </a:p>
@@ -866,10 +865,9 @@
           </a:lstStyle>
           <a:p>
             <a:r>
-              <a:rPr lang="en-US" smtClean="0"/>
+              <a:rPr lang="en-US"/>
               <a:t>Click to edit Master title style</a:t>
             </a:r>
-            <a:endParaRPr lang="en-US"/>
           </a:p>
         </p:txBody>
       </p:sp>
@@ -986,7 +984,7 @@
           <a:p>
             <a:pPr lvl="0"/>
             <a:r>
-              <a:rPr lang="en-US" smtClean="0"/>
+              <a:rPr lang="en-US"/>
               <a:t>Edit Master text styles</a:t>
             </a:r>
           </a:p>
@@ -1009,7 +1007,7 @@
           <a:p>
             <a:fld id="{FA2CA72C-871A-4971-B2F9-F21ECB88F107}" type="datetimeFigureOut">
               <a:rPr lang="en-US" smtClean="0"/>
-              <a:t>2/22/2016</a:t>
+              <a:t>2/23/2016</a:t>
             </a:fld>
             <a:endParaRPr lang="en-US"/>
           </a:p>
@@ -1103,10 +1101,9 @@
           <a:lstStyle/>
           <a:p>
             <a:r>
-              <a:rPr lang="en-US" smtClean="0"/>
+              <a:rPr lang="en-US"/>
               <a:t>Click to edit Master title style</a:t>
             </a:r>
-            <a:endParaRPr lang="en-US"/>
           </a:p>
         </p:txBody>
       </p:sp>
@@ -1132,38 +1129,37 @@
           <a:p>
             <a:pPr lvl="0"/>
             <a:r>
-              <a:rPr lang="en-US" smtClean="0"/>
+              <a:rPr lang="en-US"/>
               <a:t>Edit Master text styles</a:t>
             </a:r>
           </a:p>
           <a:p>
             <a:pPr lvl="1"/>
             <a:r>
-              <a:rPr lang="en-US" smtClean="0"/>
+              <a:rPr lang="en-US"/>
               <a:t>Second level</a:t>
             </a:r>
           </a:p>
           <a:p>
             <a:pPr lvl="2"/>
             <a:r>
-              <a:rPr lang="en-US" smtClean="0"/>
+              <a:rPr lang="en-US"/>
               <a:t>Third level</a:t>
             </a:r>
           </a:p>
           <a:p>
             <a:pPr lvl="3"/>
             <a:r>
-              <a:rPr lang="en-US" smtClean="0"/>
+              <a:rPr lang="en-US"/>
               <a:t>Fourth level</a:t>
             </a:r>
           </a:p>
           <a:p>
             <a:pPr lvl="4"/>
             <a:r>
-              <a:rPr lang="en-US" smtClean="0"/>
+              <a:rPr lang="en-US"/>
               <a:t>Fifth level</a:t>
             </a:r>
-            <a:endParaRPr lang="en-US"/>
           </a:p>
         </p:txBody>
       </p:sp>
@@ -1189,38 +1185,37 @@
           <a:p>
             <a:pPr lvl="0"/>
             <a:r>
-              <a:rPr lang="en-US" smtClean="0"/>
+              <a:rPr lang="en-US"/>
               <a:t>Edit Master text styles</a:t>
             </a:r>
           </a:p>
           <a:p>
             <a:pPr lvl="1"/>
             <a:r>
-              <a:rPr lang="en-US" smtClean="0"/>
+              <a:rPr lang="en-US"/>
               <a:t>Second level</a:t>
             </a:r>
           </a:p>
           <a:p>
             <a:pPr lvl="2"/>
             <a:r>
-              <a:rPr lang="en-US" smtClean="0"/>
+              <a:rPr lang="en-US"/>
               <a:t>Third level</a:t>
             </a:r>
           </a:p>
           <a:p>
             <a:pPr lvl="3"/>
             <a:r>
-              <a:rPr lang="en-US" smtClean="0"/>
+              <a:rPr lang="en-US"/>
               <a:t>Fourth level</a:t>
             </a:r>
           </a:p>
           <a:p>
             <a:pPr lvl="4"/>
             <a:r>
-              <a:rPr lang="en-US" smtClean="0"/>
+              <a:rPr lang="en-US"/>
               <a:t>Fifth level</a:t>
             </a:r>
-            <a:endParaRPr lang="en-US"/>
           </a:p>
         </p:txBody>
       </p:sp>
@@ -1241,7 +1236,7 @@
           <a:p>
             <a:fld id="{FA2CA72C-871A-4971-B2F9-F21ECB88F107}" type="datetimeFigureOut">
               <a:rPr lang="en-US" smtClean="0"/>
-              <a:t>2/22/2016</a:t>
+              <a:t>2/23/2016</a:t>
             </a:fld>
             <a:endParaRPr lang="en-US"/>
           </a:p>
@@ -1340,10 +1335,9 @@
           <a:lstStyle/>
           <a:p>
             <a:r>
-              <a:rPr lang="en-US" smtClean="0"/>
+              <a:rPr lang="en-US"/>
               <a:t>Click to edit Master title style</a:t>
             </a:r>
-            <a:endParaRPr lang="en-US"/>
           </a:p>
         </p:txBody>
       </p:sp>
@@ -1406,7 +1400,7 @@
           <a:p>
             <a:pPr lvl="0"/>
             <a:r>
-              <a:rPr lang="en-US" smtClean="0"/>
+              <a:rPr lang="en-US"/>
               <a:t>Edit Master text styles</a:t>
             </a:r>
           </a:p>
@@ -1434,38 +1428,37 @@
           <a:p>
             <a:pPr lvl="0"/>
             <a:r>
-              <a:rPr lang="en-US" smtClean="0"/>
+              <a:rPr lang="en-US"/>
               <a:t>Edit Master text styles</a:t>
             </a:r>
           </a:p>
           <a:p>
             <a:pPr lvl="1"/>
             <a:r>
-              <a:rPr lang="en-US" smtClean="0"/>
+              <a:rPr lang="en-US"/>
               <a:t>Second level</a:t>
             </a:r>
           </a:p>
           <a:p>
             <a:pPr lvl="2"/>
             <a:r>
-              <a:rPr lang="en-US" smtClean="0"/>
+              <a:rPr lang="en-US"/>
               <a:t>Third level</a:t>
             </a:r>
           </a:p>
           <a:p>
             <a:pPr lvl="3"/>
             <a:r>
-              <a:rPr lang="en-US" smtClean="0"/>
+              <a:rPr lang="en-US"/>
               <a:t>Fourth level</a:t>
             </a:r>
           </a:p>
           <a:p>
             <a:pPr lvl="4"/>
             <a:r>
-              <a:rPr lang="en-US" smtClean="0"/>
+              <a:rPr lang="en-US"/>
               <a:t>Fifth level</a:t>
             </a:r>
-            <a:endParaRPr lang="en-US"/>
           </a:p>
         </p:txBody>
       </p:sp>
@@ -1528,7 +1521,7 @@
           <a:p>
             <a:pPr lvl="0"/>
             <a:r>
-              <a:rPr lang="en-US" smtClean="0"/>
+              <a:rPr lang="en-US"/>
               <a:t>Edit Master text styles</a:t>
             </a:r>
           </a:p>
@@ -1556,38 +1549,37 @@
           <a:p>
             <a:pPr lvl="0"/>
             <a:r>
-              <a:rPr lang="en-US" smtClean="0"/>
+              <a:rPr lang="en-US"/>
               <a:t>Edit Master text styles</a:t>
             </a:r>
           </a:p>
           <a:p>
             <a:pPr lvl="1"/>
             <a:r>
-              <a:rPr lang="en-US" smtClean="0"/>
+              <a:rPr lang="en-US"/>
               <a:t>Second level</a:t>
             </a:r>
           </a:p>
           <a:p>
             <a:pPr lvl="2"/>
             <a:r>
-              <a:rPr lang="en-US" smtClean="0"/>
+              <a:rPr lang="en-US"/>
               <a:t>Third level</a:t>
             </a:r>
           </a:p>
           <a:p>
             <a:pPr lvl="3"/>
             <a:r>
-              <a:rPr lang="en-US" smtClean="0"/>
+              <a:rPr lang="en-US"/>
               <a:t>Fourth level</a:t>
             </a:r>
           </a:p>
           <a:p>
             <a:pPr lvl="4"/>
             <a:r>
-              <a:rPr lang="en-US" smtClean="0"/>
+              <a:rPr lang="en-US"/>
               <a:t>Fifth level</a:t>
             </a:r>
-            <a:endParaRPr lang="en-US"/>
           </a:p>
         </p:txBody>
       </p:sp>
@@ -1608,7 +1600,7 @@
           <a:p>
             <a:fld id="{FA2CA72C-871A-4971-B2F9-F21ECB88F107}" type="datetimeFigureOut">
               <a:rPr lang="en-US" smtClean="0"/>
-              <a:t>2/22/2016</a:t>
+              <a:t>2/23/2016</a:t>
             </a:fld>
             <a:endParaRPr lang="en-US"/>
           </a:p>
@@ -1702,10 +1694,9 @@
           <a:lstStyle/>
           <a:p>
             <a:r>
-              <a:rPr lang="en-US" smtClean="0"/>
+              <a:rPr lang="en-US"/>
               <a:t>Click to edit Master title style</a:t>
             </a:r>
-            <a:endParaRPr lang="en-US"/>
           </a:p>
         </p:txBody>
       </p:sp>
@@ -1726,7 +1717,7 @@
           <a:p>
             <a:fld id="{FA2CA72C-871A-4971-B2F9-F21ECB88F107}" type="datetimeFigureOut">
               <a:rPr lang="en-US" smtClean="0"/>
-              <a:t>2/22/2016</a:t>
+              <a:t>2/23/2016</a:t>
             </a:fld>
             <a:endParaRPr lang="en-US"/>
           </a:p>
@@ -1821,7 +1812,7 @@
           <a:p>
             <a:fld id="{FA2CA72C-871A-4971-B2F9-F21ECB88F107}" type="datetimeFigureOut">
               <a:rPr lang="en-US" smtClean="0"/>
-              <a:t>2/22/2016</a:t>
+              <a:t>2/23/2016</a:t>
             </a:fld>
             <a:endParaRPr lang="en-US"/>
           </a:p>
@@ -1924,10 +1915,9 @@
           </a:lstStyle>
           <a:p>
             <a:r>
-              <a:rPr lang="en-US" smtClean="0"/>
+              <a:rPr lang="en-US"/>
               <a:t>Click to edit Master title style</a:t>
             </a:r>
-            <a:endParaRPr lang="en-US"/>
           </a:p>
         </p:txBody>
       </p:sp>
@@ -1981,38 +1971,37 @@
           <a:p>
             <a:pPr lvl="0"/>
             <a:r>
-              <a:rPr lang="en-US" smtClean="0"/>
+              <a:rPr lang="en-US"/>
               <a:t>Edit Master text styles</a:t>
             </a:r>
           </a:p>
           <a:p>
             <a:pPr lvl="1"/>
             <a:r>
-              <a:rPr lang="en-US" smtClean="0"/>
+              <a:rPr lang="en-US"/>
               <a:t>Second level</a:t>
             </a:r>
           </a:p>
           <a:p>
             <a:pPr lvl="2"/>
             <a:r>
-              <a:rPr lang="en-US" smtClean="0"/>
+              <a:rPr lang="en-US"/>
               <a:t>Third level</a:t>
             </a:r>
           </a:p>
           <a:p>
             <a:pPr lvl="3"/>
             <a:r>
-              <a:rPr lang="en-US" smtClean="0"/>
+              <a:rPr lang="en-US"/>
               <a:t>Fourth level</a:t>
             </a:r>
           </a:p>
           <a:p>
             <a:pPr lvl="4"/>
             <a:r>
-              <a:rPr lang="en-US" smtClean="0"/>
+              <a:rPr lang="en-US"/>
               <a:t>Fifth level</a:t>
             </a:r>
-            <a:endParaRPr lang="en-US"/>
           </a:p>
         </p:txBody>
       </p:sp>
@@ -2075,7 +2064,7 @@
           <a:p>
             <a:pPr lvl="0"/>
             <a:r>
-              <a:rPr lang="en-US" smtClean="0"/>
+              <a:rPr lang="en-US"/>
               <a:t>Edit Master text styles</a:t>
             </a:r>
           </a:p>
@@ -2098,7 +2087,7 @@
           <a:p>
             <a:fld id="{FA2CA72C-871A-4971-B2F9-F21ECB88F107}" type="datetimeFigureOut">
               <a:rPr lang="en-US" smtClean="0"/>
-              <a:t>2/22/2016</a:t>
+              <a:t>2/23/2016</a:t>
             </a:fld>
             <a:endParaRPr lang="en-US"/>
           </a:p>
@@ -2201,10 +2190,9 @@
           </a:lstStyle>
           <a:p>
             <a:r>
-              <a:rPr lang="en-US" smtClean="0"/>
+              <a:rPr lang="en-US"/>
               <a:t>Click to edit Master title style</a:t>
             </a:r>
-            <a:endParaRPr lang="en-US"/>
           </a:p>
         </p:txBody>
       </p:sp>
@@ -2328,7 +2316,7 @@
           <a:p>
             <a:pPr lvl="0"/>
             <a:r>
-              <a:rPr lang="en-US" smtClean="0"/>
+              <a:rPr lang="en-US"/>
               <a:t>Edit Master text styles</a:t>
             </a:r>
           </a:p>
@@ -2351,7 +2339,7 @@
           <a:p>
             <a:fld id="{FA2CA72C-871A-4971-B2F9-F21ECB88F107}" type="datetimeFigureOut">
               <a:rPr lang="en-US" smtClean="0"/>
-              <a:t>2/22/2016</a:t>
+              <a:t>2/23/2016</a:t>
             </a:fld>
             <a:endParaRPr lang="en-US"/>
           </a:p>
@@ -2460,10 +2448,9 @@
           <a:lstStyle/>
           <a:p>
             <a:r>
-              <a:rPr lang="en-US" smtClean="0"/>
+              <a:rPr lang="en-US"/>
               <a:t>Click to edit Master title style</a:t>
             </a:r>
-            <a:endParaRPr lang="en-US"/>
           </a:p>
         </p:txBody>
       </p:sp>
@@ -2494,38 +2481,37 @@
           <a:p>
             <a:pPr lvl="0"/>
             <a:r>
-              <a:rPr lang="en-US" smtClean="0"/>
+              <a:rPr lang="en-US"/>
               <a:t>Edit Master text styles</a:t>
             </a:r>
           </a:p>
           <a:p>
             <a:pPr lvl="1"/>
             <a:r>
-              <a:rPr lang="en-US" smtClean="0"/>
+              <a:rPr lang="en-US"/>
               <a:t>Second level</a:t>
             </a:r>
           </a:p>
           <a:p>
             <a:pPr lvl="2"/>
             <a:r>
-              <a:rPr lang="en-US" smtClean="0"/>
+              <a:rPr lang="en-US"/>
               <a:t>Third level</a:t>
             </a:r>
           </a:p>
           <a:p>
             <a:pPr lvl="3"/>
             <a:r>
-              <a:rPr lang="en-US" smtClean="0"/>
+              <a:rPr lang="en-US"/>
               <a:t>Fourth level</a:t>
             </a:r>
           </a:p>
           <a:p>
             <a:pPr lvl="4"/>
             <a:r>
-              <a:rPr lang="en-US" smtClean="0"/>
+              <a:rPr lang="en-US"/>
               <a:t>Fifth level</a:t>
             </a:r>
-            <a:endParaRPr lang="en-US"/>
           </a:p>
         </p:txBody>
       </p:sp>
@@ -2564,7 +2550,7 @@
           <a:p>
             <a:fld id="{FA2CA72C-871A-4971-B2F9-F21ECB88F107}" type="datetimeFigureOut">
               <a:rPr lang="en-US" smtClean="0"/>
-              <a:t>2/22/2016</a:t>
+              <a:t>2/23/2016</a:t>
             </a:fld>
             <a:endParaRPr lang="en-US"/>
           </a:p>
@@ -2985,10 +2971,9 @@
           <a:lstStyle/>
           <a:p>
             <a:r>
-              <a:rPr lang="en-US" dirty="0" smtClean="0"/>
+              <a:rPr lang="en-US" dirty="0"/>
               <a:t>Multi-Agent Collision Avoidance</a:t>
             </a:r>
-            <a:endParaRPr lang="en-US" dirty="0"/>
           </a:p>
         </p:txBody>
       </p:sp>
@@ -3008,10 +2993,9 @@
           <a:lstStyle/>
           <a:p>
             <a:r>
-              <a:rPr lang="en-US" dirty="0" smtClean="0"/>
+              <a:rPr lang="en-US" dirty="0"/>
               <a:t>via Hamilton-Jacobi reachability and Mixed Integer Programming</a:t>
             </a:r>
-            <a:endParaRPr lang="en-US" dirty="0"/>
           </a:p>
         </p:txBody>
       </p:sp>
@@ -3061,103 +3045,986 @@
           <a:lstStyle/>
           <a:p>
             <a:r>
-              <a:rPr lang="en-US" dirty="0" smtClean="0"/>
-              <a:t>Background</a:t>
-            </a:r>
-            <a:endParaRPr lang="en-US" dirty="0"/>
-          </a:p>
-        </p:txBody>
-      </p:sp>
-      <p:sp>
-        <p:nvSpPr>
-          <p:cNvPr id="3" name="Content Placeholder 2"/>
-          <p:cNvSpPr>
-            <a:spLocks noGrp="1"/>
-          </p:cNvSpPr>
-          <p:nvPr>
-            <p:ph idx="1"/>
-          </p:nvPr>
-        </p:nvSpPr>
-        <p:spPr/>
-        <p:txBody>
-          <a:bodyPr/>
-          <a:lstStyle/>
-          <a:p>
-            <a:r>
-              <a:rPr lang="en-US" dirty="0" smtClean="0"/>
-              <a:t>Hamilton-Jacobi reachability</a:t>
-            </a:r>
-          </a:p>
-          <a:p>
-            <a:pPr lvl="1"/>
-            <a:r>
-              <a:rPr lang="en-US" dirty="0" smtClean="0"/>
-              <a:t>Computes reachable set – the set of states from which collision could occur</a:t>
-            </a:r>
-          </a:p>
-          <a:p>
-            <a:pPr lvl="1"/>
-            <a:r>
-              <a:rPr lang="en-US" dirty="0" smtClean="0"/>
-              <a:t>Indicates safety level between any two vehicles</a:t>
-            </a:r>
-          </a:p>
-          <a:p>
-            <a:pPr lvl="1"/>
-            <a:r>
-              <a:rPr lang="en-US" dirty="0" smtClean="0"/>
-              <a:t>Provides safety controller that guarantees pair wise collision avoidance</a:t>
-            </a:r>
-          </a:p>
-          <a:p>
-            <a:pPr lvl="1"/>
-            <a:r>
-              <a:rPr lang="en-US" dirty="0" smtClean="0"/>
-              <a:t>Intractable for multiple vehicles</a:t>
-            </a:r>
-          </a:p>
-          <a:p>
-            <a:pPr lvl="1"/>
-            <a:endParaRPr lang="en-US" dirty="0" smtClean="0"/>
-          </a:p>
-          <a:p>
-            <a:r>
-              <a:rPr lang="en-US" dirty="0" smtClean="0"/>
-              <a:t>Mixed integer programming</a:t>
-            </a:r>
-          </a:p>
-          <a:p>
-            <a:pPr lvl="1"/>
-            <a:r>
-              <a:rPr lang="en-US" dirty="0" smtClean="0"/>
-              <a:t>Takes safety values and joint configuration into account</a:t>
-            </a:r>
-            <a:endParaRPr lang="en-US" dirty="0" smtClean="0"/>
-          </a:p>
-          <a:p>
-            <a:pPr lvl="1"/>
-            <a:r>
-              <a:rPr lang="en-US" dirty="0" smtClean="0"/>
-              <a:t>Provides avoidance logic in multi-vehicle systems</a:t>
-            </a:r>
-          </a:p>
-          <a:p>
-            <a:pPr lvl="1"/>
-            <a:r>
-              <a:rPr lang="en-US" dirty="0" smtClean="0"/>
-              <a:t>Produces joint collision avoidance maneuver for multiple vehicles</a:t>
-            </a:r>
-          </a:p>
-          <a:p>
-            <a:pPr lvl="1"/>
-            <a:endParaRPr lang="en-US" dirty="0"/>
-          </a:p>
-        </p:txBody>
-      </p:sp>
+              <a:rPr lang="en-US" dirty="0"/>
+              <a:t>Problem set up</a:t>
+            </a:r>
+          </a:p>
+        </p:txBody>
+      </p:sp>
+      <mc:AlternateContent xmlns:mc="http://schemas.openxmlformats.org/markup-compatibility/2006">
+        <mc:Choice xmlns:a14="http://schemas.microsoft.com/office/drawing/2010/main" Requires="a14">
+          <p:sp>
+            <p:nvSpPr>
+              <p:cNvPr id="4" name="Content Placeholder 3"/>
+              <p:cNvSpPr>
+                <a:spLocks noGrp="1"/>
+              </p:cNvSpPr>
+              <p:nvPr>
+                <p:ph sz="half" idx="1"/>
+              </p:nvPr>
+            </p:nvSpPr>
+            <p:spPr/>
+            <p:txBody>
+              <a:bodyPr/>
+              <a:lstStyle/>
+              <a:p>
+                <a14:m>
+                  <m:oMath xmlns:m="http://schemas.openxmlformats.org/officeDocument/2006/math">
+                    <m:r>
+                      <a:rPr lang="en-US" i="1" dirty="0" smtClean="0">
+                        <a:latin typeface="Cambria Math" panose="02040503050406030204" pitchFamily="18" charset="0"/>
+                      </a:rPr>
+                      <m:t>𝑁</m:t>
+                    </m:r>
+                  </m:oMath>
+                </a14:m>
+                <a:r>
+                  <a:rPr lang="en-US" dirty="0"/>
+                  <a:t> vehicles each with its own destination</a:t>
+                </a:r>
+              </a:p>
+              <a:p>
+                <a:endParaRPr lang="en-US" dirty="0"/>
+              </a:p>
+              <a:p>
+                <a:r>
+                  <a:rPr lang="en-US" dirty="0"/>
+                  <a:t>Must avoid each other’s danger zones</a:t>
+                </a:r>
+              </a:p>
+            </p:txBody>
+          </p:sp>
+        </mc:Choice>
+        <mc:Fallback>
+          <p:sp>
+            <p:nvSpPr>
+              <p:cNvPr id="4" name="Content Placeholder 3"/>
+              <p:cNvSpPr>
+                <a:spLocks noGrp="1" noRot="1" noChangeAspect="1" noMove="1" noResize="1" noEditPoints="1" noAdjustHandles="1" noChangeArrowheads="1" noChangeShapeType="1" noTextEdit="1"/>
+              </p:cNvSpPr>
+              <p:nvPr>
+                <p:ph sz="half" idx="1"/>
+              </p:nvPr>
+            </p:nvSpPr>
+            <p:spPr>
+              <a:blipFill>
+                <a:blip r:embed="rId2"/>
+                <a:stretch>
+                  <a:fillRect l="-2118" t="-2241"/>
+                </a:stretch>
+              </a:blipFill>
+            </p:spPr>
+            <p:txBody>
+              <a:bodyPr/>
+              <a:lstStyle/>
+              <a:p>
+                <a:r>
+                  <a:rPr lang="en-US">
+                    <a:noFill/>
+                  </a:rPr>
+                  <a:t> </a:t>
+                </a:r>
+              </a:p>
+            </p:txBody>
+          </p:sp>
+        </mc:Fallback>
+      </mc:AlternateContent>
+      <p:grpSp>
+        <p:nvGrpSpPr>
+          <p:cNvPr id="6" name="Group 5"/>
+          <p:cNvGrpSpPr/>
+          <p:nvPr/>
+        </p:nvGrpSpPr>
+        <p:grpSpPr>
+          <a:xfrm>
+            <a:off x="7167017" y="852927"/>
+            <a:ext cx="3929496" cy="4858475"/>
+            <a:chOff x="2218727" y="1371600"/>
+            <a:chExt cx="6110393" cy="7472514"/>
+          </a:xfrm>
+        </p:grpSpPr>
+        <p:sp>
+          <p:nvSpPr>
+            <p:cNvPr id="7" name="Freeform 6"/>
+            <p:cNvSpPr/>
+            <p:nvPr/>
+          </p:nvSpPr>
+          <p:spPr>
+            <a:xfrm>
+              <a:off x="2218727" y="1371600"/>
+              <a:ext cx="6110393" cy="5486400"/>
+            </a:xfrm>
+            <a:custGeom>
+              <a:avLst/>
+              <a:gdLst>
+                <a:gd name="connsiteX0" fmla="*/ 2116052 w 4671160"/>
+                <a:gd name="connsiteY0" fmla="*/ 261424 h 4771483"/>
+                <a:gd name="connsiteX1" fmla="*/ 3419751 w 4671160"/>
+                <a:gd name="connsiteY1" fmla="*/ 16980 h 4771483"/>
+                <a:gd name="connsiteX2" fmla="*/ 4433739 w 4671160"/>
+                <a:gd name="connsiteY2" fmla="*/ 732204 h 4771483"/>
+                <a:gd name="connsiteX3" fmla="*/ 4632915 w 4671160"/>
+                <a:gd name="connsiteY3" fmla="*/ 1999689 h 4771483"/>
+                <a:gd name="connsiteX4" fmla="*/ 3854317 w 4671160"/>
+                <a:gd name="connsiteY4" fmla="*/ 3484457 h 4771483"/>
+                <a:gd name="connsiteX5" fmla="*/ 3700408 w 4671160"/>
+                <a:gd name="connsiteY5" fmla="*/ 4543713 h 4771483"/>
+                <a:gd name="connsiteX6" fmla="*/ 1844448 w 4671160"/>
+                <a:gd name="connsiteY6" fmla="*/ 4643301 h 4771483"/>
+                <a:gd name="connsiteX7" fmla="*/ 866673 w 4671160"/>
+                <a:gd name="connsiteY7" fmla="*/ 3058945 h 4771483"/>
+                <a:gd name="connsiteX8" fmla="*/ 6594 w 4671160"/>
+                <a:gd name="connsiteY8" fmla="*/ 2325614 h 4771483"/>
+                <a:gd name="connsiteX9" fmla="*/ 513588 w 4671160"/>
+                <a:gd name="connsiteY9" fmla="*/ 1012861 h 4771483"/>
+                <a:gd name="connsiteX10" fmla="*/ 1310293 w 4671160"/>
+                <a:gd name="connsiteY10" fmla="*/ 677883 h 4771483"/>
+                <a:gd name="connsiteX11" fmla="*/ 2116052 w 4671160"/>
+                <a:gd name="connsiteY11" fmla="*/ 261424 h 4771483"/>
+              </a:gdLst>
+              <a:ahLst/>
+              <a:cxnLst>
+                <a:cxn ang="0">
+                  <a:pos x="connsiteX0" y="connsiteY0"/>
+                </a:cxn>
+                <a:cxn ang="0">
+                  <a:pos x="connsiteX1" y="connsiteY1"/>
+                </a:cxn>
+                <a:cxn ang="0">
+                  <a:pos x="connsiteX2" y="connsiteY2"/>
+                </a:cxn>
+                <a:cxn ang="0">
+                  <a:pos x="connsiteX3" y="connsiteY3"/>
+                </a:cxn>
+                <a:cxn ang="0">
+                  <a:pos x="connsiteX4" y="connsiteY4"/>
+                </a:cxn>
+                <a:cxn ang="0">
+                  <a:pos x="connsiteX5" y="connsiteY5"/>
+                </a:cxn>
+                <a:cxn ang="0">
+                  <a:pos x="connsiteX6" y="connsiteY6"/>
+                </a:cxn>
+                <a:cxn ang="0">
+                  <a:pos x="connsiteX7" y="connsiteY7"/>
+                </a:cxn>
+                <a:cxn ang="0">
+                  <a:pos x="connsiteX8" y="connsiteY8"/>
+                </a:cxn>
+                <a:cxn ang="0">
+                  <a:pos x="connsiteX9" y="connsiteY9"/>
+                </a:cxn>
+                <a:cxn ang="0">
+                  <a:pos x="connsiteX10" y="connsiteY10"/>
+                </a:cxn>
+                <a:cxn ang="0">
+                  <a:pos x="connsiteX11" y="connsiteY11"/>
+                </a:cxn>
+              </a:cxnLst>
+              <a:rect l="l" t="t" r="r" b="b"/>
+              <a:pathLst>
+                <a:path w="4671160" h="4771483">
+                  <a:moveTo>
+                    <a:pt x="2116052" y="261424"/>
+                  </a:moveTo>
+                  <a:cubicBezTo>
+                    <a:pt x="2467628" y="151273"/>
+                    <a:pt x="3033470" y="-61483"/>
+                    <a:pt x="3419751" y="16980"/>
+                  </a:cubicBezTo>
+                  <a:cubicBezTo>
+                    <a:pt x="3806032" y="95443"/>
+                    <a:pt x="4231545" y="401753"/>
+                    <a:pt x="4433739" y="732204"/>
+                  </a:cubicBezTo>
+                  <a:cubicBezTo>
+                    <a:pt x="4635933" y="1062656"/>
+                    <a:pt x="4729485" y="1540980"/>
+                    <a:pt x="4632915" y="1999689"/>
+                  </a:cubicBezTo>
+                  <a:cubicBezTo>
+                    <a:pt x="4536345" y="2458398"/>
+                    <a:pt x="4009735" y="3060453"/>
+                    <a:pt x="3854317" y="3484457"/>
+                  </a:cubicBezTo>
+                  <a:cubicBezTo>
+                    <a:pt x="3698899" y="3908461"/>
+                    <a:pt x="4035386" y="4350572"/>
+                    <a:pt x="3700408" y="4543713"/>
+                  </a:cubicBezTo>
+                  <a:cubicBezTo>
+                    <a:pt x="3365430" y="4736854"/>
+                    <a:pt x="2316737" y="4890762"/>
+                    <a:pt x="1844448" y="4643301"/>
+                  </a:cubicBezTo>
+                  <a:cubicBezTo>
+                    <a:pt x="1372159" y="4395840"/>
+                    <a:pt x="1172982" y="3445226"/>
+                    <a:pt x="866673" y="3058945"/>
+                  </a:cubicBezTo>
+                  <a:cubicBezTo>
+                    <a:pt x="560364" y="2672664"/>
+                    <a:pt x="65441" y="2666628"/>
+                    <a:pt x="6594" y="2325614"/>
+                  </a:cubicBezTo>
+                  <a:cubicBezTo>
+                    <a:pt x="-52253" y="1984600"/>
+                    <a:pt x="296305" y="1287483"/>
+                    <a:pt x="513588" y="1012861"/>
+                  </a:cubicBezTo>
+                  <a:cubicBezTo>
+                    <a:pt x="730871" y="738239"/>
+                    <a:pt x="1043216" y="801614"/>
+                    <a:pt x="1310293" y="677883"/>
+                  </a:cubicBezTo>
+                  <a:cubicBezTo>
+                    <a:pt x="1577370" y="554152"/>
+                    <a:pt x="1764476" y="371575"/>
+                    <a:pt x="2116052" y="261424"/>
+                  </a:cubicBezTo>
+                  <a:close/>
+                </a:path>
+              </a:pathLst>
+            </a:custGeom>
+            <a:solidFill>
+              <a:sysClr val="window" lastClr="FFFFFF"/>
+            </a:solidFill>
+            <a:ln w="25400" cap="flat" cmpd="sng" algn="ctr">
+              <a:solidFill>
+                <a:sysClr val="windowText" lastClr="000000"/>
+              </a:solidFill>
+              <a:prstDash val="solid"/>
+            </a:ln>
+            <a:effectLst/>
+          </p:spPr>
+          <p:txBody>
+            <a:bodyPr rtlCol="0" anchor="ctr"/>
+            <a:lstStyle/>
+            <a:p>
+              <a:pPr marL="0" marR="0" lvl="0" indent="0" algn="ctr" defTabSz="914400" eaLnBrk="1" fontAlgn="auto" latinLnBrk="0" hangingPunct="1">
+                <a:lnSpc>
+                  <a:spcPct val="100000"/>
+                </a:lnSpc>
+                <a:spcBef>
+                  <a:spcPts val="0"/>
+                </a:spcBef>
+                <a:spcAft>
+                  <a:spcPts val="0"/>
+                </a:spcAft>
+                <a:buClrTx/>
+                <a:buSzTx/>
+                <a:buFontTx/>
+                <a:buNone/>
+                <a:tabLst/>
+                <a:defRPr/>
+              </a:pPr>
+              <a:endParaRPr kumimoji="0" lang="en-CA" sz="2400" b="0" i="0" u="none" strike="noStrike" kern="0" cap="none" spc="0" normalizeH="0" baseline="0" noProof="0" dirty="0">
+                <a:ln>
+                  <a:noFill/>
+                </a:ln>
+                <a:solidFill>
+                  <a:prstClr val="black"/>
+                </a:solidFill>
+                <a:effectLst/>
+                <a:uLnTx/>
+                <a:uFillTx/>
+                <a:latin typeface="Calibri"/>
+                <a:ea typeface="+mn-ea"/>
+                <a:cs typeface="+mn-cs"/>
+              </a:endParaRPr>
+            </a:p>
+          </p:txBody>
+        </p:sp>
+        <p:sp>
+          <p:nvSpPr>
+            <p:cNvPr id="8" name="TextBox 7"/>
+            <p:cNvSpPr txBox="1"/>
+            <p:nvPr/>
+          </p:nvSpPr>
+          <p:spPr>
+            <a:xfrm>
+              <a:off x="3962619" y="6997964"/>
+              <a:ext cx="4330042" cy="1846150"/>
+            </a:xfrm>
+            <a:prstGeom prst="rect">
+              <a:avLst/>
+            </a:prstGeom>
+            <a:noFill/>
+          </p:spPr>
+          <p:txBody>
+            <a:bodyPr wrap="square" rtlCol="0">
+              <a:spAutoFit/>
+            </a:bodyPr>
+            <a:lstStyle/>
+            <a:p>
+              <a:pPr marL="0" marR="0" lvl="0" indent="0" defTabSz="914400" eaLnBrk="1" fontAlgn="auto" latinLnBrk="0" hangingPunct="1">
+                <a:lnSpc>
+                  <a:spcPct val="100000"/>
+                </a:lnSpc>
+                <a:spcBef>
+                  <a:spcPts val="0"/>
+                </a:spcBef>
+                <a:spcAft>
+                  <a:spcPts val="0"/>
+                </a:spcAft>
+                <a:buClrTx/>
+                <a:buSzTx/>
+                <a:buFontTx/>
+                <a:buNone/>
+                <a:tabLst/>
+                <a:defRPr/>
+              </a:pPr>
+              <a:r>
+                <a:rPr kumimoji="0" lang="en-CA" sz="2400" b="0" i="0" u="none" strike="noStrike" kern="0" cap="none" spc="0" normalizeH="0" baseline="0" noProof="0" dirty="0">
+                  <a:ln>
+                    <a:noFill/>
+                  </a:ln>
+                  <a:solidFill>
+                    <a:prstClr val="black"/>
+                  </a:solidFill>
+                  <a:effectLst/>
+                  <a:uLnTx/>
+                  <a:uFillTx/>
+                </a:rPr>
+                <a:t>Targets</a:t>
+              </a:r>
+            </a:p>
+            <a:p>
+              <a:pPr marL="0" marR="0" lvl="0" indent="0" defTabSz="914400" eaLnBrk="1" fontAlgn="auto" latinLnBrk="0" hangingPunct="1">
+                <a:lnSpc>
+                  <a:spcPct val="100000"/>
+                </a:lnSpc>
+                <a:spcBef>
+                  <a:spcPts val="0"/>
+                </a:spcBef>
+                <a:spcAft>
+                  <a:spcPts val="0"/>
+                </a:spcAft>
+                <a:buClrTx/>
+                <a:buSzTx/>
+                <a:buFontTx/>
+                <a:buNone/>
+                <a:tabLst/>
+                <a:defRPr/>
+              </a:pPr>
+              <a:r>
+                <a:rPr lang="en-CA" sz="2400" kern="0" dirty="0">
+                  <a:solidFill>
+                    <a:prstClr val="black"/>
+                  </a:solidFill>
+                </a:rPr>
+                <a:t>Vehicle</a:t>
+              </a:r>
+            </a:p>
+            <a:p>
+              <a:pPr marL="0" marR="0" lvl="0" indent="0" defTabSz="914400" eaLnBrk="1" fontAlgn="auto" latinLnBrk="0" hangingPunct="1">
+                <a:lnSpc>
+                  <a:spcPct val="100000"/>
+                </a:lnSpc>
+                <a:spcBef>
+                  <a:spcPts val="0"/>
+                </a:spcBef>
+                <a:spcAft>
+                  <a:spcPts val="0"/>
+                </a:spcAft>
+                <a:buClrTx/>
+                <a:buSzTx/>
+                <a:buFontTx/>
+                <a:buNone/>
+                <a:tabLst/>
+                <a:defRPr/>
+              </a:pPr>
+              <a:r>
+                <a:rPr lang="en-CA" sz="2400" kern="0" dirty="0">
+                  <a:solidFill>
+                    <a:prstClr val="black"/>
+                  </a:solidFill>
+                </a:rPr>
+                <a:t>Danger zone</a:t>
+              </a:r>
+            </a:p>
+          </p:txBody>
+        </p:sp>
+        <p:sp>
+          <p:nvSpPr>
+            <p:cNvPr id="9" name="Oval 8"/>
+            <p:cNvSpPr/>
+            <p:nvPr/>
+          </p:nvSpPr>
+          <p:spPr>
+            <a:xfrm>
+              <a:off x="3523026" y="7236715"/>
+              <a:ext cx="308289" cy="271828"/>
+            </a:xfrm>
+            <a:prstGeom prst="ellipse">
+              <a:avLst/>
+            </a:prstGeom>
+            <a:solidFill>
+              <a:sysClr val="window" lastClr="FFFFFF"/>
+            </a:solidFill>
+            <a:ln w="38100" cap="flat" cmpd="sng" algn="ctr">
+              <a:solidFill>
+                <a:srgbClr val="0000FF"/>
+              </a:solidFill>
+              <a:prstDash val="solid"/>
+            </a:ln>
+            <a:effectLst/>
+          </p:spPr>
+          <p:txBody>
+            <a:bodyPr rtlCol="0" anchor="ctr"/>
+            <a:lstStyle/>
+            <a:p>
+              <a:pPr marL="0" marR="0" lvl="0" indent="0" algn="ctr" defTabSz="914400" eaLnBrk="1" fontAlgn="auto" latinLnBrk="0" hangingPunct="1">
+                <a:lnSpc>
+                  <a:spcPct val="100000"/>
+                </a:lnSpc>
+                <a:spcBef>
+                  <a:spcPts val="0"/>
+                </a:spcBef>
+                <a:spcAft>
+                  <a:spcPts val="0"/>
+                </a:spcAft>
+                <a:buClrTx/>
+                <a:buSzTx/>
+                <a:buFontTx/>
+                <a:buNone/>
+                <a:tabLst/>
+                <a:defRPr/>
+              </a:pPr>
+              <a:endParaRPr kumimoji="0" lang="en-CA" sz="2400" b="0" i="0" u="none" strike="noStrike" kern="0" cap="none" spc="0" normalizeH="0" baseline="0" noProof="0" dirty="0">
+                <a:ln>
+                  <a:noFill/>
+                </a:ln>
+                <a:solidFill>
+                  <a:prstClr val="black"/>
+                </a:solidFill>
+                <a:effectLst/>
+                <a:uLnTx/>
+                <a:uFillTx/>
+                <a:latin typeface="Calibri"/>
+                <a:ea typeface="+mn-ea"/>
+                <a:cs typeface="+mn-cs"/>
+              </a:endParaRPr>
+            </a:p>
+          </p:txBody>
+        </p:sp>
+        <p:sp>
+          <p:nvSpPr>
+            <p:cNvPr id="10" name="Oval 9"/>
+            <p:cNvSpPr/>
+            <p:nvPr/>
+          </p:nvSpPr>
+          <p:spPr>
+            <a:xfrm>
+              <a:off x="7206235" y="3241558"/>
+              <a:ext cx="499310" cy="492181"/>
+            </a:xfrm>
+            <a:prstGeom prst="ellipse">
+              <a:avLst/>
+            </a:prstGeom>
+            <a:solidFill>
+              <a:sysClr val="window" lastClr="FFFFFF"/>
+            </a:solidFill>
+            <a:ln w="38100" cap="flat" cmpd="sng" algn="ctr">
+              <a:solidFill>
+                <a:srgbClr val="0000FF"/>
+              </a:solidFill>
+              <a:prstDash val="solid"/>
+            </a:ln>
+            <a:effectLst/>
+          </p:spPr>
+          <p:txBody>
+            <a:bodyPr rtlCol="0" anchor="ctr"/>
+            <a:lstStyle/>
+            <a:p>
+              <a:pPr marL="0" marR="0" lvl="0" indent="0" algn="ctr" defTabSz="914400" eaLnBrk="1" fontAlgn="auto" latinLnBrk="0" hangingPunct="1">
+                <a:lnSpc>
+                  <a:spcPct val="100000"/>
+                </a:lnSpc>
+                <a:spcBef>
+                  <a:spcPts val="0"/>
+                </a:spcBef>
+                <a:spcAft>
+                  <a:spcPts val="0"/>
+                </a:spcAft>
+                <a:buClrTx/>
+                <a:buSzTx/>
+                <a:buFontTx/>
+                <a:buNone/>
+                <a:tabLst/>
+                <a:defRPr/>
+              </a:pPr>
+              <a:endParaRPr kumimoji="0" lang="en-CA" sz="2400" b="0" i="0" u="none" strike="noStrike" kern="0" cap="none" spc="0" normalizeH="0" baseline="0" noProof="0" dirty="0">
+                <a:ln>
+                  <a:noFill/>
+                </a:ln>
+                <a:solidFill>
+                  <a:prstClr val="black"/>
+                </a:solidFill>
+                <a:effectLst/>
+                <a:uLnTx/>
+                <a:uFillTx/>
+                <a:latin typeface="Calibri"/>
+                <a:ea typeface="+mn-ea"/>
+                <a:cs typeface="+mn-cs"/>
+              </a:endParaRPr>
+            </a:p>
+          </p:txBody>
+        </p:sp>
+        <p:sp>
+          <p:nvSpPr>
+            <p:cNvPr id="11" name="Oval 10"/>
+            <p:cNvSpPr/>
+            <p:nvPr/>
+          </p:nvSpPr>
+          <p:spPr>
+            <a:xfrm>
+              <a:off x="4389145" y="5211409"/>
+              <a:ext cx="622962" cy="441303"/>
+            </a:xfrm>
+            <a:prstGeom prst="ellipse">
+              <a:avLst/>
+            </a:prstGeom>
+            <a:solidFill>
+              <a:sysClr val="window" lastClr="FFFFFF"/>
+            </a:solidFill>
+            <a:ln w="38100" cap="flat" cmpd="sng" algn="ctr">
+              <a:solidFill>
+                <a:srgbClr val="007F00"/>
+              </a:solidFill>
+              <a:prstDash val="solid"/>
+            </a:ln>
+            <a:effectLst/>
+          </p:spPr>
+          <p:txBody>
+            <a:bodyPr rtlCol="0" anchor="ctr"/>
+            <a:lstStyle/>
+            <a:p>
+              <a:pPr marL="0" marR="0" lvl="0" indent="0" algn="ctr" defTabSz="914400" eaLnBrk="1" fontAlgn="auto" latinLnBrk="0" hangingPunct="1">
+                <a:lnSpc>
+                  <a:spcPct val="100000"/>
+                </a:lnSpc>
+                <a:spcBef>
+                  <a:spcPts val="0"/>
+                </a:spcBef>
+                <a:spcAft>
+                  <a:spcPts val="0"/>
+                </a:spcAft>
+                <a:buClrTx/>
+                <a:buSzTx/>
+                <a:buFontTx/>
+                <a:buNone/>
+                <a:tabLst/>
+                <a:defRPr/>
+              </a:pPr>
+              <a:endParaRPr kumimoji="0" lang="en-CA" sz="2400" b="0" i="0" u="none" strike="noStrike" kern="0" cap="none" spc="0" normalizeH="0" baseline="0" noProof="0" dirty="0">
+                <a:ln>
+                  <a:noFill/>
+                </a:ln>
+                <a:solidFill>
+                  <a:prstClr val="black"/>
+                </a:solidFill>
+                <a:effectLst/>
+                <a:uLnTx/>
+                <a:uFillTx/>
+                <a:latin typeface="Calibri"/>
+                <a:ea typeface="+mn-ea"/>
+                <a:cs typeface="+mn-cs"/>
+              </a:endParaRPr>
+            </a:p>
+          </p:txBody>
+        </p:sp>
+        <p:sp>
+          <p:nvSpPr>
+            <p:cNvPr id="12" name="Oval 11"/>
+            <p:cNvSpPr/>
+            <p:nvPr/>
+          </p:nvSpPr>
+          <p:spPr>
+            <a:xfrm>
+              <a:off x="4232896" y="2185869"/>
+              <a:ext cx="622961" cy="496486"/>
+            </a:xfrm>
+            <a:prstGeom prst="ellipse">
+              <a:avLst/>
+            </a:prstGeom>
+            <a:solidFill>
+              <a:sysClr val="window" lastClr="FFFFFF"/>
+            </a:solidFill>
+            <a:ln w="38100" cap="flat" cmpd="sng" algn="ctr">
+              <a:solidFill>
+                <a:srgbClr val="ED1B23"/>
+              </a:solidFill>
+              <a:prstDash val="solid"/>
+            </a:ln>
+            <a:effectLst/>
+          </p:spPr>
+          <p:txBody>
+            <a:bodyPr rtlCol="0" anchor="ctr"/>
+            <a:lstStyle/>
+            <a:p>
+              <a:pPr marL="0" marR="0" lvl="0" indent="0" algn="ctr" defTabSz="914400" eaLnBrk="1" fontAlgn="auto" latinLnBrk="0" hangingPunct="1">
+                <a:lnSpc>
+                  <a:spcPct val="100000"/>
+                </a:lnSpc>
+                <a:spcBef>
+                  <a:spcPts val="0"/>
+                </a:spcBef>
+                <a:spcAft>
+                  <a:spcPts val="0"/>
+                </a:spcAft>
+                <a:buClrTx/>
+                <a:buSzTx/>
+                <a:buFontTx/>
+                <a:buNone/>
+                <a:tabLst/>
+                <a:defRPr/>
+              </a:pPr>
+              <a:endParaRPr kumimoji="0" lang="en-CA" sz="2400" b="0" i="0" u="none" strike="noStrike" kern="0" cap="none" spc="0" normalizeH="0" baseline="0" noProof="0" dirty="0">
+                <a:ln>
+                  <a:noFill/>
+                </a:ln>
+                <a:solidFill>
+                  <a:srgbClr val="ED1B23"/>
+                </a:solidFill>
+                <a:effectLst/>
+                <a:uLnTx/>
+                <a:uFillTx/>
+                <a:latin typeface="Calibri"/>
+                <a:ea typeface="+mn-ea"/>
+                <a:cs typeface="+mn-cs"/>
+              </a:endParaRPr>
+            </a:p>
+          </p:txBody>
+        </p:sp>
+        <p:pic>
+          <p:nvPicPr>
+            <p:cNvPr id="13" name="Picture 12"/>
+            <p:cNvPicPr>
+              <a:picLocks noChangeAspect="1"/>
+            </p:cNvPicPr>
+            <p:nvPr/>
+          </p:nvPicPr>
+          <p:blipFill>
+            <a:blip r:embed="rId3" cstate="print">
+              <a:extLst>
+                <a:ext uri="{28A0092B-C50C-407E-A947-70E740481C1C}">
+                  <a14:useLocalDpi xmlns:a14="http://schemas.microsoft.com/office/drawing/2010/main" val="0"/>
+                </a:ext>
+              </a:extLst>
+            </a:blip>
+            <a:stretch>
+              <a:fillRect/>
+            </a:stretch>
+          </p:blipFill>
+          <p:spPr>
+            <a:xfrm rot="2730247">
+              <a:off x="3758358" y="4250098"/>
+              <a:ext cx="411480" cy="411480"/>
+            </a:xfrm>
+            <a:prstGeom prst="rect">
+              <a:avLst/>
+            </a:prstGeom>
+          </p:spPr>
+        </p:pic>
+        <p:pic>
+          <p:nvPicPr>
+            <p:cNvPr id="14" name="Picture 13"/>
+            <p:cNvPicPr>
+              <a:picLocks noChangeAspect="1"/>
+            </p:cNvPicPr>
+            <p:nvPr/>
+          </p:nvPicPr>
+          <p:blipFill>
+            <a:blip r:embed="rId4" cstate="print">
+              <a:extLst>
+                <a:ext uri="{BEBA8EAE-BF5A-486C-A8C5-ECC9F3942E4B}">
+                  <a14:imgProps xmlns:a14="http://schemas.microsoft.com/office/drawing/2010/main">
+                    <a14:imgLayer r:embed="rId5">
+                      <a14:imgEffect>
+                        <a14:backgroundRemoval t="10000" b="90000" l="10000" r="90000"/>
+                      </a14:imgEffect>
+                    </a14:imgLayer>
+                  </a14:imgProps>
+                </a:ext>
+                <a:ext uri="{28A0092B-C50C-407E-A947-70E740481C1C}">
+                  <a14:useLocalDpi xmlns:a14="http://schemas.microsoft.com/office/drawing/2010/main" val="0"/>
+                </a:ext>
+              </a:extLst>
+            </a:blip>
+            <a:stretch>
+              <a:fillRect/>
+            </a:stretch>
+          </p:blipFill>
+          <p:spPr>
+            <a:xfrm rot="10800000">
+              <a:off x="6386748" y="1882246"/>
+              <a:ext cx="411480" cy="411480"/>
+            </a:xfrm>
+            <a:prstGeom prst="rect">
+              <a:avLst/>
+            </a:prstGeom>
+          </p:spPr>
+        </p:pic>
+        <p:pic>
+          <p:nvPicPr>
+            <p:cNvPr id="15" name="Picture 14"/>
+            <p:cNvPicPr>
+              <a:picLocks noChangeAspect="1"/>
+            </p:cNvPicPr>
+            <p:nvPr/>
+          </p:nvPicPr>
+          <p:blipFill>
+            <a:blip r:embed="rId6" cstate="print">
+              <a:extLst>
+                <a:ext uri="{28A0092B-C50C-407E-A947-70E740481C1C}">
+                  <a14:useLocalDpi xmlns:a14="http://schemas.microsoft.com/office/drawing/2010/main" val="0"/>
+                </a:ext>
+              </a:extLst>
+            </a:blip>
+            <a:stretch>
+              <a:fillRect/>
+            </a:stretch>
+          </p:blipFill>
+          <p:spPr>
+            <a:xfrm rot="15961826">
+              <a:off x="6540033" y="4802236"/>
+              <a:ext cx="411480" cy="411480"/>
+            </a:xfrm>
+            <a:prstGeom prst="rect">
+              <a:avLst/>
+            </a:prstGeom>
+          </p:spPr>
+        </p:pic>
+        <p:pic>
+          <p:nvPicPr>
+            <p:cNvPr id="16" name="Picture 15"/>
+            <p:cNvPicPr>
+              <a:picLocks noChangeAspect="1"/>
+            </p:cNvPicPr>
+            <p:nvPr/>
+          </p:nvPicPr>
+          <p:blipFill>
+            <a:blip r:embed="rId7" cstate="print">
+              <a:extLst>
+                <a:ext uri="{28A0092B-C50C-407E-A947-70E740481C1C}">
+                  <a14:useLocalDpi xmlns:a14="http://schemas.microsoft.com/office/drawing/2010/main" val="0"/>
+                </a:ext>
+              </a:extLst>
+            </a:blip>
+            <a:stretch>
+              <a:fillRect/>
+            </a:stretch>
+          </p:blipFill>
+          <p:spPr>
+            <a:xfrm>
+              <a:off x="3492646" y="7740660"/>
+              <a:ext cx="369051" cy="369052"/>
+            </a:xfrm>
+            <a:prstGeom prst="rect">
+              <a:avLst/>
+            </a:prstGeom>
+          </p:spPr>
+        </p:pic>
+        <p:sp>
+          <p:nvSpPr>
+            <p:cNvPr id="19" name="Oval 18"/>
+            <p:cNvSpPr>
+              <a:spLocks noChangeAspect="1"/>
+            </p:cNvSpPr>
+            <p:nvPr/>
+          </p:nvSpPr>
+          <p:spPr>
+            <a:xfrm>
+              <a:off x="3415458" y="3911485"/>
+              <a:ext cx="1097280" cy="1097280"/>
+            </a:xfrm>
+            <a:prstGeom prst="ellipse">
+              <a:avLst/>
+            </a:prstGeom>
+            <a:noFill/>
+            <a:ln>
+              <a:solidFill>
+                <a:srgbClr val="0000FF"/>
+              </a:solidFill>
+              <a:prstDash val="lgDash"/>
+            </a:ln>
+          </p:spPr>
+          <p:style>
+            <a:lnRef idx="2">
+              <a:schemeClr val="accent1">
+                <a:shade val="50000"/>
+              </a:schemeClr>
+            </a:lnRef>
+            <a:fillRef idx="1">
+              <a:schemeClr val="accent1"/>
+            </a:fillRef>
+            <a:effectRef idx="0">
+              <a:schemeClr val="accent1"/>
+            </a:effectRef>
+            <a:fontRef idx="minor">
+              <a:schemeClr val="lt1"/>
+            </a:fontRef>
+          </p:style>
+          <p:txBody>
+            <a:bodyPr rtlCol="0" anchor="ctr"/>
+            <a:lstStyle/>
+            <a:p>
+              <a:pPr algn="ctr"/>
+              <a:endParaRPr lang="en-US" sz="2400"/>
+            </a:p>
+          </p:txBody>
+        </p:sp>
+        <p:sp>
+          <p:nvSpPr>
+            <p:cNvPr id="20" name="Oval 19"/>
+            <p:cNvSpPr>
+              <a:spLocks noChangeAspect="1"/>
+            </p:cNvSpPr>
+            <p:nvPr/>
+          </p:nvSpPr>
+          <p:spPr>
+            <a:xfrm>
+              <a:off x="6124906" y="1621642"/>
+              <a:ext cx="932688" cy="932688"/>
+            </a:xfrm>
+            <a:prstGeom prst="ellipse">
+              <a:avLst/>
+            </a:prstGeom>
+            <a:noFill/>
+            <a:ln>
+              <a:solidFill>
+                <a:srgbClr val="007F00"/>
+              </a:solidFill>
+              <a:prstDash val="lgDash"/>
+            </a:ln>
+          </p:spPr>
+          <p:style>
+            <a:lnRef idx="2">
+              <a:schemeClr val="accent1">
+                <a:shade val="50000"/>
+              </a:schemeClr>
+            </a:lnRef>
+            <a:fillRef idx="1">
+              <a:schemeClr val="accent1"/>
+            </a:fillRef>
+            <a:effectRef idx="0">
+              <a:schemeClr val="accent1"/>
+            </a:effectRef>
+            <a:fontRef idx="minor">
+              <a:schemeClr val="lt1"/>
+            </a:fontRef>
+          </p:style>
+          <p:txBody>
+            <a:bodyPr rtlCol="0" anchor="ctr"/>
+            <a:lstStyle/>
+            <a:p>
+              <a:pPr algn="ctr"/>
+              <a:endParaRPr lang="en-US" sz="2400"/>
+            </a:p>
+          </p:txBody>
+        </p:sp>
+        <p:sp>
+          <p:nvSpPr>
+            <p:cNvPr id="21" name="Oval 20"/>
+            <p:cNvSpPr>
+              <a:spLocks noChangeAspect="1"/>
+            </p:cNvSpPr>
+            <p:nvPr/>
+          </p:nvSpPr>
+          <p:spPr>
+            <a:xfrm>
+              <a:off x="6279429" y="4541633"/>
+              <a:ext cx="932688" cy="932688"/>
+            </a:xfrm>
+            <a:prstGeom prst="ellipse">
+              <a:avLst/>
+            </a:prstGeom>
+            <a:noFill/>
+            <a:ln>
+              <a:solidFill>
+                <a:srgbClr val="ED1B23"/>
+              </a:solidFill>
+              <a:prstDash val="lgDash"/>
+            </a:ln>
+          </p:spPr>
+          <p:style>
+            <a:lnRef idx="2">
+              <a:schemeClr val="accent1">
+                <a:shade val="50000"/>
+              </a:schemeClr>
+            </a:lnRef>
+            <a:fillRef idx="1">
+              <a:schemeClr val="accent1"/>
+            </a:fillRef>
+            <a:effectRef idx="0">
+              <a:schemeClr val="accent1"/>
+            </a:effectRef>
+            <a:fontRef idx="minor">
+              <a:schemeClr val="lt1"/>
+            </a:fontRef>
+          </p:style>
+          <p:txBody>
+            <a:bodyPr rtlCol="0" anchor="ctr"/>
+            <a:lstStyle/>
+            <a:p>
+              <a:pPr algn="ctr"/>
+              <a:endParaRPr lang="en-US" sz="2400"/>
+            </a:p>
+          </p:txBody>
+        </p:sp>
+        <p:sp>
+          <p:nvSpPr>
+            <p:cNvPr id="22" name="Oval 21"/>
+            <p:cNvSpPr/>
+            <p:nvPr/>
+          </p:nvSpPr>
+          <p:spPr>
+            <a:xfrm>
+              <a:off x="3458511" y="8282814"/>
+              <a:ext cx="457200" cy="457200"/>
+            </a:xfrm>
+            <a:prstGeom prst="ellipse">
+              <a:avLst/>
+            </a:prstGeom>
+            <a:noFill/>
+            <a:ln>
+              <a:solidFill>
+                <a:srgbClr val="007F00"/>
+              </a:solidFill>
+              <a:prstDash val="lgDash"/>
+            </a:ln>
+          </p:spPr>
+          <p:style>
+            <a:lnRef idx="2">
+              <a:schemeClr val="accent1">
+                <a:shade val="50000"/>
+              </a:schemeClr>
+            </a:lnRef>
+            <a:fillRef idx="1">
+              <a:schemeClr val="accent1"/>
+            </a:fillRef>
+            <a:effectRef idx="0">
+              <a:schemeClr val="accent1"/>
+            </a:effectRef>
+            <a:fontRef idx="minor">
+              <a:schemeClr val="lt1"/>
+            </a:fontRef>
+          </p:style>
+          <p:txBody>
+            <a:bodyPr rtlCol="0" anchor="ctr"/>
+            <a:lstStyle/>
+            <a:p>
+              <a:pPr algn="ctr"/>
+              <a:endParaRPr lang="en-US" sz="2400"/>
+            </a:p>
+          </p:txBody>
+        </p:sp>
+      </p:grpSp>
     </p:spTree>
     <p:extLst>
       <p:ext uri="{BB962C8B-B14F-4D97-AF65-F5344CB8AC3E}">
-        <p14:creationId xmlns:p14="http://schemas.microsoft.com/office/powerpoint/2010/main" val="2061155013"/>
+        <p14:creationId xmlns:p14="http://schemas.microsoft.com/office/powerpoint/2010/main" val="3249348496"/>
       </p:ext>
     </p:extLst>
   </p:cSld>
@@ -3200,36 +4067,101 @@
           <a:lstStyle/>
           <a:p>
             <a:r>
-              <a:rPr lang="en-US" dirty="0" smtClean="0"/>
-              <a:t>HJ Reachability for Collision Avoidance</a:t>
-            </a:r>
+              <a:rPr lang="en-US" dirty="0"/>
+              <a:t>Background</a:t>
+            </a:r>
+          </a:p>
+        </p:txBody>
+      </p:sp>
+      <p:sp>
+        <p:nvSpPr>
+          <p:cNvPr id="3" name="Content Placeholder 2"/>
+          <p:cNvSpPr>
+            <a:spLocks noGrp="1"/>
+          </p:cNvSpPr>
+          <p:nvPr>
+            <p:ph idx="1"/>
+          </p:nvPr>
+        </p:nvSpPr>
+        <p:spPr/>
+        <p:txBody>
+          <a:bodyPr/>
+          <a:lstStyle/>
+          <a:p>
+            <a:r>
+              <a:rPr lang="en-US" dirty="0"/>
+              <a:t>Hamilton-Jacobi reachability</a:t>
+            </a:r>
+          </a:p>
+          <a:p>
+            <a:pPr lvl="1"/>
+            <a:r>
+              <a:rPr lang="en-US" dirty="0"/>
+              <a:t>Computes reachable set – the set of states from which collision could occur</a:t>
+            </a:r>
+          </a:p>
+          <a:p>
+            <a:pPr lvl="1"/>
+            <a:r>
+              <a:rPr lang="en-US" dirty="0"/>
+              <a:t>Indicates safety level between any two vehicles</a:t>
+            </a:r>
+          </a:p>
+          <a:p>
+            <a:pPr lvl="1"/>
+            <a:r>
+              <a:rPr lang="en-US" dirty="0"/>
+              <a:t>Provides safety controller that guarantees pair wise collision avoidance</a:t>
+            </a:r>
+          </a:p>
+          <a:p>
+            <a:pPr lvl="1"/>
+            <a:r>
+              <a:rPr lang="en-US" dirty="0"/>
+              <a:t>Intractable for multiple vehicles</a:t>
+            </a:r>
+          </a:p>
+          <a:p>
+            <a:pPr lvl="1"/>
             <a:endParaRPr lang="en-US" dirty="0"/>
           </a:p>
-        </p:txBody>
-      </p:sp>
-      <p:sp>
-        <p:nvSpPr>
-          <p:cNvPr id="3" name="Content Placeholder 2"/>
-          <p:cNvSpPr>
-            <a:spLocks noGrp="1"/>
-          </p:cNvSpPr>
-          <p:nvPr>
-            <p:ph idx="1"/>
-          </p:nvPr>
-        </p:nvSpPr>
-        <p:spPr/>
-        <p:txBody>
-          <a:bodyPr/>
-          <a:lstStyle/>
-          <a:p>
-            <a:endParaRPr lang="en-US"/>
+          <a:p>
+            <a:r>
+              <a:rPr lang="en-US" dirty="0"/>
+              <a:t>Mixed integer programming</a:t>
+            </a:r>
+          </a:p>
+          <a:p>
+            <a:pPr lvl="1"/>
+            <a:r>
+              <a:rPr lang="en-US" dirty="0"/>
+              <a:t>Takes safety values and joint configuration into account</a:t>
+            </a:r>
+          </a:p>
+          <a:p>
+            <a:pPr lvl="1"/>
+            <a:r>
+              <a:rPr lang="en-US" dirty="0"/>
+              <a:t>Provides avoidance logic in multi-vehicle systems</a:t>
+            </a:r>
+          </a:p>
+          <a:p>
+            <a:pPr lvl="1"/>
+            <a:r>
+              <a:rPr lang="en-US" dirty="0"/>
+              <a:t>Produces joint collision avoidance maneuver for multiple vehicles</a:t>
+            </a:r>
+          </a:p>
+          <a:p>
+            <a:pPr lvl="1"/>
+            <a:endParaRPr lang="en-US" dirty="0"/>
           </a:p>
         </p:txBody>
       </p:sp>
     </p:spTree>
     <p:extLst>
       <p:ext uri="{BB962C8B-B14F-4D97-AF65-F5344CB8AC3E}">
-        <p14:creationId xmlns:p14="http://schemas.microsoft.com/office/powerpoint/2010/main" val="3533043716"/>
+        <p14:creationId xmlns:p14="http://schemas.microsoft.com/office/powerpoint/2010/main" val="2061155013"/>
       </p:ext>
     </p:extLst>
   </p:cSld>
@@ -3272,36 +4204,466 @@
           <a:lstStyle/>
           <a:p>
             <a:r>
-              <a:rPr lang="en-US" dirty="0" smtClean="0"/>
-              <a:t>Mixed Integer Program for Collision Avoidance</a:t>
-            </a:r>
-            <a:endParaRPr lang="en-US" dirty="0"/>
-          </a:p>
-        </p:txBody>
-      </p:sp>
-      <p:sp>
-        <p:nvSpPr>
-          <p:cNvPr id="3" name="Content Placeholder 2"/>
-          <p:cNvSpPr>
-            <a:spLocks noGrp="1"/>
-          </p:cNvSpPr>
-          <p:nvPr>
-            <p:ph idx="1"/>
-          </p:nvPr>
-        </p:nvSpPr>
-        <p:spPr/>
-        <p:txBody>
-          <a:bodyPr/>
-          <a:lstStyle/>
-          <a:p>
-            <a:endParaRPr lang="en-US"/>
-          </a:p>
-        </p:txBody>
-      </p:sp>
+              <a:rPr lang="en-US" dirty="0"/>
+              <a:t>HJ Reachability for Collision Avoidance</a:t>
+            </a:r>
+          </a:p>
+        </p:txBody>
+      </p:sp>
+      <mc:AlternateContent xmlns:mc="http://schemas.openxmlformats.org/markup-compatibility/2006">
+        <mc:Choice xmlns:a14="http://schemas.microsoft.com/office/drawing/2010/main" Requires="a14">
+          <p:sp>
+            <p:nvSpPr>
+              <p:cNvPr id="3" name="Content Placeholder 2"/>
+              <p:cNvSpPr>
+                <a:spLocks noGrp="1"/>
+              </p:cNvSpPr>
+              <p:nvPr>
+                <p:ph idx="1"/>
+              </p:nvPr>
+            </p:nvSpPr>
+            <p:spPr/>
+            <p:txBody>
+              <a:bodyPr/>
+              <a:lstStyle/>
+              <a:p>
+                <a:r>
+                  <a:rPr lang="en-US" dirty="0"/>
+                  <a:t>For a dynamical system with given</a:t>
+                </a:r>
+              </a:p>
+              <a:p>
+                <a:pPr lvl="1"/>
+                <a:r>
+                  <a:rPr lang="en-US" dirty="0"/>
+                  <a:t>Dynamics </a:t>
+                </a:r>
+                <a14:m>
+                  <m:oMath xmlns:m="http://schemas.openxmlformats.org/officeDocument/2006/math">
+                    <m:acc>
+                      <m:accPr>
+                        <m:chr m:val="̇"/>
+                        <m:ctrlPr>
+                          <a:rPr lang="en-US" i="1">
+                            <a:latin typeface="Cambria Math" panose="02040503050406030204" pitchFamily="18" charset="0"/>
+                          </a:rPr>
+                        </m:ctrlPr>
+                      </m:accPr>
+                      <m:e>
+                        <m:r>
+                          <a:rPr lang="en-US" i="1">
+                            <a:latin typeface="Cambria Math"/>
+                          </a:rPr>
+                          <m:t>𝑥</m:t>
+                        </m:r>
+                      </m:e>
+                    </m:acc>
+                    <m:r>
+                      <a:rPr lang="en-US" i="1" dirty="0">
+                        <a:latin typeface="Cambria Math"/>
+                      </a:rPr>
+                      <m:t>=</m:t>
+                    </m:r>
+                    <m:r>
+                      <a:rPr lang="en-US" i="1" dirty="0">
+                        <a:latin typeface="Cambria Math"/>
+                      </a:rPr>
+                      <m:t>𝑓</m:t>
+                    </m:r>
+                    <m:d>
+                      <m:dPr>
+                        <m:ctrlPr>
+                          <a:rPr lang="en-US" i="1" dirty="0">
+                            <a:latin typeface="Cambria Math" panose="02040503050406030204" pitchFamily="18" charset="0"/>
+                          </a:rPr>
+                        </m:ctrlPr>
+                      </m:dPr>
+                      <m:e>
+                        <m:r>
+                          <a:rPr lang="en-US" i="1" dirty="0">
+                            <a:latin typeface="Cambria Math"/>
+                          </a:rPr>
+                          <m:t>𝑥</m:t>
+                        </m:r>
+                        <m:r>
+                          <a:rPr lang="en-US" i="1" dirty="0">
+                            <a:latin typeface="Cambria Math"/>
+                          </a:rPr>
+                          <m:t>,</m:t>
+                        </m:r>
+                        <m:r>
+                          <a:rPr lang="en-US" i="1" dirty="0">
+                            <a:latin typeface="Cambria Math"/>
+                          </a:rPr>
+                          <m:t>𝑢</m:t>
+                        </m:r>
+                        <m:r>
+                          <a:rPr lang="en-US" i="1" dirty="0">
+                            <a:latin typeface="Cambria Math"/>
+                          </a:rPr>
+                          <m:t>,</m:t>
+                        </m:r>
+                        <m:r>
+                          <a:rPr lang="en-US" i="1" dirty="0">
+                            <a:latin typeface="Cambria Math"/>
+                          </a:rPr>
+                          <m:t>𝑑</m:t>
+                        </m:r>
+                      </m:e>
+                    </m:d>
+                    <m:r>
+                      <a:rPr lang="en-US" i="1" dirty="0">
+                        <a:latin typeface="Cambria Math"/>
+                      </a:rPr>
+                      <m:t>,</m:t>
+                    </m:r>
+                    <m:r>
+                      <a:rPr lang="en-US" i="1" dirty="0">
+                        <a:latin typeface="Cambria Math"/>
+                      </a:rPr>
+                      <m:t>𝑥</m:t>
+                    </m:r>
+                    <m:r>
+                      <a:rPr lang="en-US" i="1" dirty="0">
+                        <a:latin typeface="Cambria Math"/>
+                      </a:rPr>
+                      <m:t>∈</m:t>
+                    </m:r>
+                    <m:sSup>
+                      <m:sSupPr>
+                        <m:ctrlPr>
+                          <a:rPr lang="en-US" i="1" dirty="0">
+                            <a:latin typeface="Cambria Math" panose="02040503050406030204" pitchFamily="18" charset="0"/>
+                          </a:rPr>
+                        </m:ctrlPr>
+                      </m:sSupPr>
+                      <m:e>
+                        <m:r>
+                          <a:rPr lang="en-US" i="1" dirty="0">
+                            <a:latin typeface="Cambria Math"/>
+                          </a:rPr>
+                          <m:t>ℝ</m:t>
+                        </m:r>
+                      </m:e>
+                      <m:sup>
+                        <m:r>
+                          <a:rPr lang="en-US" i="1" dirty="0">
+                            <a:latin typeface="Cambria Math"/>
+                          </a:rPr>
+                          <m:t>𝑛</m:t>
+                        </m:r>
+                      </m:sup>
+                    </m:sSup>
+                  </m:oMath>
+                </a14:m>
+                <a:endParaRPr lang="en-US" dirty="0"/>
+              </a:p>
+              <a:p>
+                <a:pPr lvl="1"/>
+                <a:r>
+                  <a:rPr lang="en-US" dirty="0"/>
+                  <a:t>Target states </a:t>
+                </a:r>
+                <a14:m>
+                  <m:oMath xmlns:m="http://schemas.openxmlformats.org/officeDocument/2006/math">
+                    <m:r>
+                      <a:rPr lang="en-US" i="1">
+                        <a:latin typeface="Cambria Math"/>
+                      </a:rPr>
+                      <m:t>𝒯</m:t>
+                    </m:r>
+                  </m:oMath>
+                </a14:m>
+                <a:endParaRPr lang="en-US" dirty="0"/>
+              </a:p>
+              <a:p>
+                <a:endParaRPr lang="en-US" dirty="0"/>
+              </a:p>
+              <a:p>
+                <a:r>
+                  <a:rPr lang="en-US" dirty="0"/>
+                  <a:t>Determines, with guarantees</a:t>
+                </a:r>
+              </a:p>
+              <a:p>
+                <a:pPr lvl="1"/>
+                <a:r>
+                  <a:rPr lang="en-US" dirty="0"/>
+                  <a:t>Set of states from which the system can be driven to the target state</a:t>
+                </a:r>
+              </a:p>
+              <a:p>
+                <a:endParaRPr lang="en-US" dirty="0"/>
+              </a:p>
+              <a:p>
+                <a:r>
+                  <a:rPr lang="en-US" b="1" dirty="0"/>
+                  <a:t>Guarantees pair wise collision avoidance</a:t>
+                </a:r>
+              </a:p>
+              <a:p>
+                <a:endParaRPr lang="en-US" dirty="0"/>
+              </a:p>
+            </p:txBody>
+          </p:sp>
+        </mc:Choice>
+        <mc:Fallback>
+          <p:sp>
+            <p:nvSpPr>
+              <p:cNvPr id="3" name="Content Placeholder 2"/>
+              <p:cNvSpPr>
+                <a:spLocks noGrp="1" noRot="1" noChangeAspect="1" noMove="1" noResize="1" noEditPoints="1" noAdjustHandles="1" noChangeArrowheads="1" noChangeShapeType="1" noTextEdit="1"/>
+              </p:cNvSpPr>
+              <p:nvPr>
+                <p:ph idx="1"/>
+              </p:nvPr>
+            </p:nvSpPr>
+            <p:spPr>
+              <a:blipFill>
+                <a:blip r:embed="rId2"/>
+                <a:stretch>
+                  <a:fillRect l="-1043" t="-2241"/>
+                </a:stretch>
+              </a:blipFill>
+            </p:spPr>
+            <p:txBody>
+              <a:bodyPr/>
+              <a:lstStyle/>
+              <a:p>
+                <a:r>
+                  <a:rPr lang="en-US">
+                    <a:noFill/>
+                  </a:rPr>
+                  <a:t> </a:t>
+                </a:r>
+              </a:p>
+            </p:txBody>
+          </p:sp>
+        </mc:Fallback>
+      </mc:AlternateContent>
+      <p:grpSp>
+        <p:nvGrpSpPr>
+          <p:cNvPr id="4" name="Group 3"/>
+          <p:cNvGrpSpPr/>
+          <p:nvPr/>
+        </p:nvGrpSpPr>
+        <p:grpSpPr>
+          <a:xfrm>
+            <a:off x="8199539" y="1825625"/>
+            <a:ext cx="3001705" cy="1952983"/>
+            <a:chOff x="5174575" y="1358071"/>
+            <a:chExt cx="3880240" cy="2181077"/>
+          </a:xfrm>
+        </p:grpSpPr>
+        <p:sp>
+          <p:nvSpPr>
+            <p:cNvPr id="5" name="Oval 4"/>
+            <p:cNvSpPr/>
+            <p:nvPr/>
+          </p:nvSpPr>
+          <p:spPr>
+            <a:xfrm>
+              <a:off x="5807513" y="1893228"/>
+              <a:ext cx="2840638" cy="1645920"/>
+            </a:xfrm>
+            <a:prstGeom prst="ellipse">
+              <a:avLst/>
+            </a:prstGeom>
+            <a:noFill/>
+            <a:ln>
+              <a:solidFill>
+                <a:srgbClr val="3030FF"/>
+              </a:solidFill>
+            </a:ln>
+          </p:spPr>
+          <p:txBody>
+            <a:bodyPr wrap="square" rtlCol="0" anchor="ctr">
+              <a:spAutoFit/>
+            </a:bodyPr>
+            <a:lstStyle/>
+            <a:p>
+              <a:pPr algn="ctr"/>
+              <a:endParaRPr lang="en-US" sz="5400" dirty="0">
+                <a:latin typeface="Gill Sans MT" pitchFamily="34" charset="0"/>
+              </a:endParaRPr>
+            </a:p>
+          </p:txBody>
+        </p:sp>
+        <p:sp>
+          <p:nvSpPr>
+            <p:cNvPr id="6" name="Oval 5"/>
+            <p:cNvSpPr/>
+            <p:nvPr/>
+          </p:nvSpPr>
+          <p:spPr>
+            <a:xfrm>
+              <a:off x="7397621" y="2141159"/>
+              <a:ext cx="1231162" cy="1205287"/>
+            </a:xfrm>
+            <a:prstGeom prst="ellipse">
+              <a:avLst/>
+            </a:prstGeom>
+            <a:noFill/>
+            <a:ln w="76200">
+              <a:solidFill>
+                <a:srgbClr val="3030FF"/>
+              </a:solidFill>
+            </a:ln>
+          </p:spPr>
+          <p:txBody>
+            <a:bodyPr wrap="square" rtlCol="0" anchor="ctr">
+              <a:spAutoFit/>
+            </a:bodyPr>
+            <a:lstStyle/>
+            <a:p>
+              <a:pPr algn="ctr"/>
+              <a:endParaRPr lang="en-US" sz="5400" dirty="0">
+                <a:latin typeface="Gill Sans MT" pitchFamily="34" charset="0"/>
+              </a:endParaRPr>
+            </a:p>
+          </p:txBody>
+        </p:sp>
+        <p:cxnSp>
+          <p:nvCxnSpPr>
+            <p:cNvPr id="7" name="Straight Arrow Connector 6"/>
+            <p:cNvCxnSpPr/>
+            <p:nvPr/>
+          </p:nvCxnSpPr>
+          <p:spPr>
+            <a:xfrm>
+              <a:off x="6376302" y="1886915"/>
+              <a:ext cx="56305" cy="730396"/>
+            </a:xfrm>
+            <a:prstGeom prst="straightConnector1">
+              <a:avLst/>
+            </a:prstGeom>
+            <a:ln w="12700">
+              <a:solidFill>
+                <a:schemeClr val="tx1"/>
+              </a:solidFill>
+              <a:tailEnd type="triangle" w="lg" len="lg"/>
+            </a:ln>
+          </p:spPr>
+          <p:style>
+            <a:lnRef idx="1">
+              <a:schemeClr val="accent1"/>
+            </a:lnRef>
+            <a:fillRef idx="0">
+              <a:schemeClr val="accent1"/>
+            </a:fillRef>
+            <a:effectRef idx="0">
+              <a:schemeClr val="accent1"/>
+            </a:effectRef>
+            <a:fontRef idx="minor">
+              <a:schemeClr val="tx1"/>
+            </a:fontRef>
+          </p:style>
+        </p:cxnSp>
+        <p:cxnSp>
+          <p:nvCxnSpPr>
+            <p:cNvPr id="8" name="Straight Arrow Connector 7"/>
+            <p:cNvCxnSpPr/>
+            <p:nvPr/>
+          </p:nvCxnSpPr>
+          <p:spPr>
+            <a:xfrm flipH="1">
+              <a:off x="8070670" y="1937731"/>
+              <a:ext cx="367112" cy="698154"/>
+            </a:xfrm>
+            <a:prstGeom prst="straightConnector1">
+              <a:avLst/>
+            </a:prstGeom>
+            <a:ln w="12700">
+              <a:solidFill>
+                <a:schemeClr val="tx1"/>
+              </a:solidFill>
+              <a:tailEnd type="triangle" w="lg" len="lg"/>
+            </a:ln>
+          </p:spPr>
+          <p:style>
+            <a:lnRef idx="1">
+              <a:schemeClr val="accent1"/>
+            </a:lnRef>
+            <a:fillRef idx="0">
+              <a:schemeClr val="accent1"/>
+            </a:fillRef>
+            <a:effectRef idx="0">
+              <a:schemeClr val="accent1"/>
+            </a:effectRef>
+            <a:fontRef idx="minor">
+              <a:schemeClr val="tx1"/>
+            </a:fontRef>
+          </p:style>
+        </p:cxnSp>
+        <p:sp>
+          <p:nvSpPr>
+            <p:cNvPr id="9" name="TextBox 8"/>
+            <p:cNvSpPr txBox="1"/>
+            <p:nvPr/>
+          </p:nvSpPr>
+          <p:spPr>
+            <a:xfrm>
+              <a:off x="5174575" y="1358071"/>
+              <a:ext cx="1916871" cy="461665"/>
+            </a:xfrm>
+            <a:prstGeom prst="rect">
+              <a:avLst/>
+            </a:prstGeom>
+            <a:noFill/>
+          </p:spPr>
+          <p:txBody>
+            <a:bodyPr wrap="none" rtlCol="0">
+              <a:spAutoFit/>
+            </a:bodyPr>
+            <a:lstStyle/>
+            <a:p>
+              <a:r>
+                <a:rPr lang="en-US" sz="2400" dirty="0">
+                  <a:ea typeface="Verdana" panose="020B0604030504040204" pitchFamily="34" charset="0"/>
+                  <a:cs typeface="Verdana" panose="020B0604030504040204" pitchFamily="34" charset="0"/>
+                </a:rPr>
+                <a:t>Reachable set</a:t>
+              </a:r>
+            </a:p>
+          </p:txBody>
+        </p:sp>
+        <p:sp>
+          <p:nvSpPr>
+            <p:cNvPr id="10" name="TextBox 9"/>
+            <p:cNvSpPr txBox="1"/>
+            <p:nvPr/>
+          </p:nvSpPr>
+          <p:spPr>
+            <a:xfrm>
+              <a:off x="7652380" y="1476445"/>
+              <a:ext cx="1402435" cy="461665"/>
+            </a:xfrm>
+            <a:prstGeom prst="rect">
+              <a:avLst/>
+            </a:prstGeom>
+            <a:noFill/>
+          </p:spPr>
+          <p:txBody>
+            <a:bodyPr wrap="none" rtlCol="0">
+              <a:spAutoFit/>
+            </a:bodyPr>
+            <a:lstStyle/>
+            <a:p>
+              <a:r>
+                <a:rPr lang="en-US" sz="2400" dirty="0">
+                  <a:ea typeface="Verdana" panose="020B0604030504040204" pitchFamily="34" charset="0"/>
+                  <a:cs typeface="Verdana" panose="020B0604030504040204" pitchFamily="34" charset="0"/>
+                </a:rPr>
+                <a:t>Target set</a:t>
+              </a:r>
+            </a:p>
+          </p:txBody>
+        </p:sp>
+      </p:grpSp>
     </p:spTree>
     <p:extLst>
       <p:ext uri="{BB962C8B-B14F-4D97-AF65-F5344CB8AC3E}">
-        <p14:creationId xmlns:p14="http://schemas.microsoft.com/office/powerpoint/2010/main" val="3672210901"/>
+        <p14:creationId xmlns:p14="http://schemas.microsoft.com/office/powerpoint/2010/main" val="3533043716"/>
       </p:ext>
     </p:extLst>
   </p:cSld>
@@ -3344,36 +4706,101 @@
           <a:lstStyle/>
           <a:p>
             <a:r>
-              <a:rPr lang="en-US" dirty="0" smtClean="0"/>
-              <a:t>Three-vehicle safety guarantee</a:t>
-            </a:r>
+              <a:rPr lang="en-US" dirty="0"/>
+              <a:t>Mixed Integer Program for Collision Avoidance</a:t>
+            </a:r>
+          </a:p>
+        </p:txBody>
+      </p:sp>
+      <p:sp>
+        <p:nvSpPr>
+          <p:cNvPr id="3" name="Content Placeholder 2"/>
+          <p:cNvSpPr>
+            <a:spLocks noGrp="1"/>
+          </p:cNvSpPr>
+          <p:nvPr>
+            <p:ph idx="1"/>
+          </p:nvPr>
+        </p:nvSpPr>
+        <p:spPr/>
+        <p:txBody>
+          <a:bodyPr/>
+          <a:lstStyle/>
+          <a:p>
+            <a:pPr marL="0" indent="0">
+              <a:buNone/>
+            </a:pPr>
+            <a:r>
+              <a:rPr lang="en-US" dirty="0"/>
+              <a:t>Optimization intuition:</a:t>
+            </a:r>
+          </a:p>
+          <a:p>
+            <a:r>
+              <a:rPr lang="en-US" dirty="0"/>
+              <a:t>Cooperatively resolve as many pair wise conflicts as possible</a:t>
+            </a:r>
+          </a:p>
+          <a:p>
+            <a:r>
+              <a:rPr lang="en-US" dirty="0"/>
+              <a:t>Subject to</a:t>
+            </a:r>
+          </a:p>
+          <a:p>
+            <a:pPr lvl="1"/>
+            <a:r>
+              <a:rPr lang="en-US" dirty="0"/>
+              <a:t>Efficient use of control authority</a:t>
+            </a:r>
+          </a:p>
+          <a:p>
+            <a:pPr lvl="2"/>
+            <a:r>
+              <a:rPr lang="en-US" dirty="0"/>
+              <a:t>At most one vehicle in each pair wise conflict performs avoidance maneuver</a:t>
+            </a:r>
+          </a:p>
+          <a:p>
+            <a:pPr lvl="2"/>
+            <a:r>
+              <a:rPr lang="en-US" dirty="0"/>
+              <a:t>Avoid multiple vehicles at once where possible</a:t>
+            </a:r>
+          </a:p>
+          <a:p>
+            <a:pPr lvl="1"/>
+            <a:r>
+              <a:rPr lang="en-US" dirty="0"/>
+              <a:t>Limited avoidance capabilities of each vehicle</a:t>
+            </a:r>
+          </a:p>
+          <a:p>
+            <a:pPr lvl="2"/>
+            <a:r>
+              <a:rPr lang="en-US" dirty="0"/>
+              <a:t>Allows non-conflicted vehicles to “help” with joint avoidance</a:t>
+            </a:r>
+          </a:p>
+          <a:p>
+            <a:pPr lvl="2"/>
             <a:endParaRPr lang="en-US" dirty="0"/>
           </a:p>
-        </p:txBody>
-      </p:sp>
-      <p:sp>
-        <p:nvSpPr>
-          <p:cNvPr id="3" name="Content Placeholder 2"/>
-          <p:cNvSpPr>
-            <a:spLocks noGrp="1"/>
-          </p:cNvSpPr>
-          <p:nvPr>
-            <p:ph idx="1"/>
-          </p:nvPr>
-        </p:nvSpPr>
-        <p:spPr/>
-        <p:txBody>
-          <a:bodyPr/>
-          <a:lstStyle/>
-          <a:p>
-            <a:endParaRPr lang="en-US"/>
+          <a:p>
+            <a:r>
+              <a:rPr lang="en-US" b="1" dirty="0"/>
+              <a:t>Dictates cooperative avoidance logic between all vehicle pairs</a:t>
+            </a:r>
+          </a:p>
+          <a:p>
+            <a:endParaRPr lang="en-US" dirty="0"/>
           </a:p>
         </p:txBody>
       </p:sp>
     </p:spTree>
     <p:extLst>
       <p:ext uri="{BB962C8B-B14F-4D97-AF65-F5344CB8AC3E}">
-        <p14:creationId xmlns:p14="http://schemas.microsoft.com/office/powerpoint/2010/main" val="1416618668"/>
+        <p14:creationId xmlns:p14="http://schemas.microsoft.com/office/powerpoint/2010/main" val="3672210901"/>
       </p:ext>
     </p:extLst>
   </p:cSld>
@@ -3416,21 +4843,51 @@
           <a:lstStyle/>
           <a:p>
             <a:r>
-              <a:rPr lang="en-US" dirty="0" smtClean="0"/>
-              <a:t>Simulations</a:t>
-            </a:r>
+              <a:rPr lang="en-US" dirty="0"/>
+              <a:t>Three-vehicle safety guarantee</a:t>
+            </a:r>
+          </a:p>
+        </p:txBody>
+      </p:sp>
+      <p:sp>
+        <p:nvSpPr>
+          <p:cNvPr id="3" name="Content Placeholder 2"/>
+          <p:cNvSpPr>
+            <a:spLocks noGrp="1"/>
+          </p:cNvSpPr>
+          <p:nvPr>
+            <p:ph sz="half" idx="1"/>
+          </p:nvPr>
+        </p:nvSpPr>
+        <p:spPr/>
+        <p:txBody>
+          <a:bodyPr/>
+          <a:lstStyle/>
+          <a:p>
+            <a:r>
+              <a:rPr lang="en-US" dirty="0"/>
+              <a:t>Joint avoidance maneuvers guarantee collision avoidance for three vehicles</a:t>
+            </a:r>
+          </a:p>
+          <a:p>
             <a:endParaRPr lang="en-US" dirty="0"/>
           </a:p>
-        </p:txBody>
-      </p:sp>
-      <p:sp>
-        <p:nvSpPr>
-          <p:cNvPr id="3" name="Content Placeholder 2"/>
-          <p:cNvSpPr>
-            <a:spLocks noGrp="1"/>
-          </p:cNvSpPr>
-          <p:nvPr>
-            <p:ph idx="1"/>
+          <a:p>
+            <a:r>
+              <a:rPr lang="en-US" dirty="0"/>
+              <a:t>Previously not possible using only HJ reachability</a:t>
+            </a:r>
+          </a:p>
+        </p:txBody>
+      </p:sp>
+      <p:sp>
+        <p:nvSpPr>
+          <p:cNvPr id="4" name="Content Placeholder 3"/>
+          <p:cNvSpPr>
+            <a:spLocks noGrp="1"/>
+          </p:cNvSpPr>
+          <p:nvPr>
+            <p:ph sz="half" idx="2"/>
           </p:nvPr>
         </p:nvSpPr>
         <p:spPr/>
@@ -3438,7 +4895,106 @@
           <a:bodyPr/>
           <a:lstStyle/>
           <a:p>
-            <a:endParaRPr lang="en-US"/>
+            <a:r>
+              <a:rPr lang="en-US" dirty="0"/>
+              <a:t>[3-vehicle VIDEO HERE]</a:t>
+            </a:r>
+          </a:p>
+        </p:txBody>
+      </p:sp>
+    </p:spTree>
+    <p:extLst>
+      <p:ext uri="{BB962C8B-B14F-4D97-AF65-F5344CB8AC3E}">
+        <p14:creationId xmlns:p14="http://schemas.microsoft.com/office/powerpoint/2010/main" val="1416618668"/>
+      </p:ext>
+    </p:extLst>
+  </p:cSld>
+  <p:clrMapOvr>
+    <a:masterClrMapping/>
+  </p:clrMapOvr>
+</p:sld>
+</file>
+
+<file path=ppt/slides/slide7.xml><?xml version="1.0" encoding="utf-8"?>
+<p:sld xmlns:a="http://schemas.openxmlformats.org/drawingml/2006/main" xmlns:r="http://schemas.openxmlformats.org/officeDocument/2006/relationships" xmlns:p="http://schemas.openxmlformats.org/presentationml/2006/main">
+  <p:cSld>
+    <p:spTree>
+      <p:nvGrpSpPr>
+        <p:cNvPr id="1" name=""/>
+        <p:cNvGrpSpPr/>
+        <p:nvPr/>
+      </p:nvGrpSpPr>
+      <p:grpSpPr>
+        <a:xfrm>
+          <a:off x="0" y="0"/>
+          <a:ext cx="0" cy="0"/>
+          <a:chOff x="0" y="0"/>
+          <a:chExt cx="0" cy="0"/>
+        </a:xfrm>
+      </p:grpSpPr>
+      <p:sp>
+        <p:nvSpPr>
+          <p:cNvPr id="2" name="Title 1"/>
+          <p:cNvSpPr>
+            <a:spLocks noGrp="1"/>
+          </p:cNvSpPr>
+          <p:nvPr>
+            <p:ph type="title"/>
+          </p:nvPr>
+        </p:nvSpPr>
+        <p:spPr/>
+        <p:txBody>
+          <a:bodyPr/>
+          <a:lstStyle/>
+          <a:p>
+            <a:r>
+              <a:rPr lang="en-US" dirty="0"/>
+              <a:t>Multi-vehicle performance</a:t>
+            </a:r>
+          </a:p>
+        </p:txBody>
+      </p:sp>
+      <p:sp>
+        <p:nvSpPr>
+          <p:cNvPr id="4" name="Content Placeholder 3"/>
+          <p:cNvSpPr>
+            <a:spLocks noGrp="1"/>
+          </p:cNvSpPr>
+          <p:nvPr>
+            <p:ph sz="half" idx="1"/>
+          </p:nvPr>
+        </p:nvSpPr>
+        <p:spPr/>
+        <p:txBody>
+          <a:bodyPr/>
+          <a:lstStyle/>
+          <a:p>
+            <a:r>
+              <a:rPr lang="en-US" dirty="0"/>
+              <a:t>[NAÏVE APPROACH VIDEO]</a:t>
+            </a:r>
+          </a:p>
+        </p:txBody>
+      </p:sp>
+      <p:sp>
+        <p:nvSpPr>
+          <p:cNvPr id="5" name="Content Placeholder 4"/>
+          <p:cNvSpPr>
+            <a:spLocks noGrp="1"/>
+          </p:cNvSpPr>
+          <p:nvPr>
+            <p:ph sz="half" idx="2"/>
+          </p:nvPr>
+        </p:nvSpPr>
+        <p:spPr/>
+        <p:txBody>
+          <a:bodyPr/>
+          <a:lstStyle/>
+          <a:p>
+            <a:r>
+              <a:rPr lang="en-US" dirty="0"/>
+              <a:t>[NEW APPROACH VIDEO]</a:t>
+            </a:r>
           </a:p>
         </p:txBody>
       </p:sp>
@@ -3446,6 +5002,729 @@
     <p:extLst>
       <p:ext uri="{BB962C8B-B14F-4D97-AF65-F5344CB8AC3E}">
         <p14:creationId xmlns:p14="http://schemas.microsoft.com/office/powerpoint/2010/main" val="3610562258"/>
+      </p:ext>
+    </p:extLst>
+  </p:cSld>
+  <p:clrMapOvr>
+    <a:masterClrMapping/>
+  </p:clrMapOvr>
+</p:sld>
+</file>
+
+<file path=ppt/slides/slide8.xml><?xml version="1.0" encoding="utf-8"?>
+<p:sld xmlns:a="http://schemas.openxmlformats.org/drawingml/2006/main" xmlns:r="http://schemas.openxmlformats.org/officeDocument/2006/relationships" xmlns:p="http://schemas.openxmlformats.org/presentationml/2006/main">
+  <p:cSld>
+    <p:spTree>
+      <p:nvGrpSpPr>
+        <p:cNvPr id="1" name=""/>
+        <p:cNvGrpSpPr/>
+        <p:nvPr/>
+      </p:nvGrpSpPr>
+      <p:grpSpPr>
+        <a:xfrm>
+          <a:off x="0" y="0"/>
+          <a:ext cx="0" cy="0"/>
+          <a:chOff x="0" y="0"/>
+          <a:chExt cx="0" cy="0"/>
+        </a:xfrm>
+      </p:grpSpPr>
+      <p:sp>
+        <p:nvSpPr>
+          <p:cNvPr id="2" name="Title 1"/>
+          <p:cNvSpPr>
+            <a:spLocks noGrp="1"/>
+          </p:cNvSpPr>
+          <p:nvPr>
+            <p:ph type="title"/>
+          </p:nvPr>
+        </p:nvSpPr>
+        <p:spPr/>
+        <p:txBody>
+          <a:bodyPr/>
+          <a:lstStyle/>
+          <a:p>
+            <a:r>
+              <a:rPr lang="en-US" dirty="0"/>
+              <a:t>Details of basic </a:t>
+            </a:r>
+            <a:r>
+              <a:rPr lang="en-US" dirty="0" err="1"/>
+              <a:t>optimzation</a:t>
+            </a:r>
+            <a:endParaRPr lang="en-US" dirty="0"/>
+          </a:p>
+        </p:txBody>
+      </p:sp>
+      <mc:AlternateContent xmlns:mc="http://schemas.openxmlformats.org/markup-compatibility/2006">
+        <mc:Choice xmlns:a14="http://schemas.microsoft.com/office/drawing/2010/main" Requires="a14">
+          <p:sp>
+            <p:nvSpPr>
+              <p:cNvPr id="3" name="Content Placeholder 2"/>
+              <p:cNvSpPr>
+                <a:spLocks noGrp="1"/>
+              </p:cNvSpPr>
+              <p:nvPr>
+                <p:ph sz="half" idx="1"/>
+              </p:nvPr>
+            </p:nvSpPr>
+            <p:spPr/>
+            <p:txBody>
+              <a:bodyPr>
+                <a:normAutofit lnSpcReduction="10000"/>
+              </a:bodyPr>
+              <a:lstStyle/>
+              <a:p>
+                <a:pPr marL="0" indent="0">
+                  <a:buNone/>
+                </a:pPr>
+                <a14:m>
+                  <m:oMath xmlns:m="http://schemas.openxmlformats.org/officeDocument/2006/math">
+                    <m:r>
+                      <m:rPr>
+                        <m:sty m:val="p"/>
+                      </m:rPr>
+                      <a:rPr lang="en-US" b="0" i="1" smtClean="0">
+                        <a:latin typeface="Cambria Math" panose="02040503050406030204" pitchFamily="18" charset="0"/>
+                      </a:rPr>
+                      <m:t>M</m:t>
+                    </m:r>
+                    <m:r>
+                      <m:rPr>
+                        <m:sty m:val="p"/>
+                      </m:rPr>
+                      <a:rPr lang="en-US" b="0" i="0" smtClean="0">
+                        <a:latin typeface="Cambria Math" panose="02040503050406030204" pitchFamily="18" charset="0"/>
+                      </a:rPr>
+                      <m:t>aximize</m:t>
+                    </m:r>
+                    <m:r>
+                      <a:rPr lang="en-US" b="0" i="0" smtClean="0">
+                        <a:latin typeface="Cambria Math" panose="02040503050406030204" pitchFamily="18" charset="0"/>
+                      </a:rPr>
+                      <m:t> </m:t>
+                    </m:r>
+                    <m:nary>
+                      <m:naryPr>
+                        <m:chr m:val="∑"/>
+                        <m:supHide m:val="on"/>
+                        <m:ctrlPr>
+                          <a:rPr lang="en-US" b="0" i="1" smtClean="0">
+                            <a:latin typeface="Cambria Math" panose="02040503050406030204" pitchFamily="18" charset="0"/>
+                          </a:rPr>
+                        </m:ctrlPr>
+                      </m:naryPr>
+                      <m:sub>
+                        <m:r>
+                          <a:rPr lang="en-US" b="0" i="1" smtClean="0">
+                            <a:latin typeface="Cambria Math" panose="02040503050406030204" pitchFamily="18" charset="0"/>
+                          </a:rPr>
+                          <m:t>𝑖𝑗</m:t>
+                        </m:r>
+                      </m:sub>
+                      <m:sup/>
+                      <m:e>
+                        <m:sSub>
+                          <m:sSubPr>
+                            <m:ctrlPr>
+                              <a:rPr lang="en-US" b="0" i="1" smtClean="0">
+                                <a:latin typeface="Cambria Math" panose="02040503050406030204" pitchFamily="18" charset="0"/>
+                              </a:rPr>
+                            </m:ctrlPr>
+                          </m:sSubPr>
+                          <m:e>
+                            <m:r>
+                              <a:rPr lang="en-US" b="0" i="1" smtClean="0">
+                                <a:latin typeface="Cambria Math" panose="02040503050406030204" pitchFamily="18" charset="0"/>
+                              </a:rPr>
+                              <m:t>𝑐</m:t>
+                            </m:r>
+                          </m:e>
+                          <m:sub>
+                            <m:r>
+                              <a:rPr lang="en-US" b="0" i="1" smtClean="0">
+                                <a:latin typeface="Cambria Math" panose="02040503050406030204" pitchFamily="18" charset="0"/>
+                              </a:rPr>
+                              <m:t>𝑖𝑗</m:t>
+                            </m:r>
+                          </m:sub>
+                        </m:sSub>
+                        <m:sSub>
+                          <m:sSubPr>
+                            <m:ctrlPr>
+                              <a:rPr lang="en-US" i="1">
+                                <a:latin typeface="Cambria Math" panose="02040503050406030204" pitchFamily="18" charset="0"/>
+                              </a:rPr>
+                            </m:ctrlPr>
+                          </m:sSubPr>
+                          <m:e>
+                            <m:r>
+                              <a:rPr lang="en-US" i="1">
+                                <a:latin typeface="Cambria Math" panose="02040503050406030204" pitchFamily="18" charset="0"/>
+                              </a:rPr>
+                              <m:t>𝑢</m:t>
+                            </m:r>
+                          </m:e>
+                          <m:sub>
+                            <m:r>
+                              <a:rPr lang="en-US" i="1">
+                                <a:latin typeface="Cambria Math" panose="02040503050406030204" pitchFamily="18" charset="0"/>
+                              </a:rPr>
+                              <m:t>𝑖𝑗</m:t>
+                            </m:r>
+                          </m:sub>
+                        </m:sSub>
+                        <m:r>
+                          <a:rPr lang="en-US" b="0" i="1" smtClean="0">
+                            <a:latin typeface="Cambria Math" panose="02040503050406030204" pitchFamily="18" charset="0"/>
+                          </a:rPr>
+                          <m:t>+</m:t>
+                        </m:r>
+                        <m:sSub>
+                          <m:sSubPr>
+                            <m:ctrlPr>
+                              <a:rPr lang="en-US" b="0" i="1" smtClean="0">
+                                <a:latin typeface="Cambria Math" panose="02040503050406030204" pitchFamily="18" charset="0"/>
+                              </a:rPr>
+                            </m:ctrlPr>
+                          </m:sSubPr>
+                          <m:e>
+                            <m:r>
+                              <a:rPr lang="en-US" b="0" i="1" smtClean="0">
+                                <a:latin typeface="Cambria Math" panose="02040503050406030204" pitchFamily="18" charset="0"/>
+                              </a:rPr>
+                              <m:t>𝑐</m:t>
+                            </m:r>
+                          </m:e>
+                          <m:sub>
+                            <m:r>
+                              <a:rPr lang="en-US" b="0" i="1" smtClean="0">
+                                <a:latin typeface="Cambria Math" panose="02040503050406030204" pitchFamily="18" charset="0"/>
+                              </a:rPr>
+                              <m:t>𝑗𝑖</m:t>
+                            </m:r>
+                          </m:sub>
+                        </m:sSub>
+                        <m:sSub>
+                          <m:sSubPr>
+                            <m:ctrlPr>
+                              <a:rPr lang="en-US" i="1">
+                                <a:latin typeface="Cambria Math" panose="02040503050406030204" pitchFamily="18" charset="0"/>
+                              </a:rPr>
+                            </m:ctrlPr>
+                          </m:sSubPr>
+                          <m:e>
+                            <m:r>
+                              <a:rPr lang="en-US" i="1">
+                                <a:latin typeface="Cambria Math" panose="02040503050406030204" pitchFamily="18" charset="0"/>
+                              </a:rPr>
+                              <m:t>𝑢</m:t>
+                            </m:r>
+                          </m:e>
+                          <m:sub>
+                            <m:r>
+                              <a:rPr lang="en-US" i="1">
+                                <a:latin typeface="Cambria Math" panose="02040503050406030204" pitchFamily="18" charset="0"/>
+                              </a:rPr>
+                              <m:t>𝑗𝑖</m:t>
+                            </m:r>
+                          </m:sub>
+                        </m:sSub>
+                      </m:e>
+                    </m:nary>
+                  </m:oMath>
+                </a14:m>
+                <a:r>
+                  <a:rPr lang="en-US" dirty="0"/>
+                  <a:t> </a:t>
+                </a:r>
+              </a:p>
+              <a:p>
+                <a:pPr marL="0" indent="0">
+                  <a:buNone/>
+                </a:pPr>
+                <a:endParaRPr lang="en-US" b="0" i="0" dirty="0">
+                  <a:latin typeface="Cambria Math" panose="02040503050406030204" pitchFamily="18" charset="0"/>
+                </a:endParaRPr>
+              </a:p>
+              <a:p>
+                <a:pPr marL="0" indent="0">
+                  <a:buNone/>
+                </a:pPr>
+                <a14:m>
+                  <m:oMath xmlns:m="http://schemas.openxmlformats.org/officeDocument/2006/math">
+                    <m:r>
+                      <m:rPr>
+                        <m:sty m:val="p"/>
+                      </m:rPr>
+                      <a:rPr lang="en-US" b="0" i="0" smtClean="0">
+                        <a:latin typeface="Cambria Math" panose="02040503050406030204" pitchFamily="18" charset="0"/>
+                      </a:rPr>
+                      <m:t>subject</m:t>
+                    </m:r>
+                    <m:r>
+                      <a:rPr lang="en-US" b="0" i="0" smtClean="0">
+                        <a:latin typeface="Cambria Math" panose="02040503050406030204" pitchFamily="18" charset="0"/>
+                      </a:rPr>
+                      <m:t> </m:t>
+                    </m:r>
+                    <m:r>
+                      <m:rPr>
+                        <m:sty m:val="p"/>
+                      </m:rPr>
+                      <a:rPr lang="en-US" b="0" i="0" smtClean="0">
+                        <a:latin typeface="Cambria Math" panose="02040503050406030204" pitchFamily="18" charset="0"/>
+                      </a:rPr>
+                      <m:t>to</m:t>
+                    </m:r>
+                  </m:oMath>
+                </a14:m>
+                <a:r>
+                  <a:rPr lang="en-US" dirty="0"/>
+                  <a:t> </a:t>
+                </a:r>
+              </a:p>
+              <a:p>
+                <a:pPr marL="0" indent="0" algn="ctr">
+                  <a:buNone/>
+                </a:pPr>
+                <a14:m>
+                  <m:oMath xmlns:m="http://schemas.openxmlformats.org/officeDocument/2006/math">
+                    <m:sSub>
+                      <m:sSubPr>
+                        <m:ctrlPr>
+                          <a:rPr lang="en-US" b="0" i="1" smtClean="0">
+                            <a:solidFill>
+                              <a:schemeClr val="accent5"/>
+                            </a:solidFill>
+                            <a:latin typeface="Cambria Math" panose="02040503050406030204" pitchFamily="18" charset="0"/>
+                          </a:rPr>
+                        </m:ctrlPr>
+                      </m:sSubPr>
+                      <m:e>
+                        <m:r>
+                          <a:rPr lang="en-US" b="0" i="1" smtClean="0">
+                            <a:solidFill>
+                              <a:schemeClr val="accent5"/>
+                            </a:solidFill>
+                            <a:latin typeface="Cambria Math" panose="02040503050406030204" pitchFamily="18" charset="0"/>
+                          </a:rPr>
+                          <m:t>𝑢</m:t>
+                        </m:r>
+                      </m:e>
+                      <m:sub>
+                        <m:r>
+                          <a:rPr lang="en-US" b="0" i="1" smtClean="0">
+                            <a:solidFill>
+                              <a:schemeClr val="accent5"/>
+                            </a:solidFill>
+                            <a:latin typeface="Cambria Math" panose="02040503050406030204" pitchFamily="18" charset="0"/>
+                          </a:rPr>
+                          <m:t>𝑖𝑗</m:t>
+                        </m:r>
+                      </m:sub>
+                    </m:sSub>
+                    <m:r>
+                      <a:rPr lang="en-US" b="0" i="1" smtClean="0">
+                        <a:solidFill>
+                          <a:schemeClr val="accent5"/>
+                        </a:solidFill>
+                        <a:latin typeface="Cambria Math" panose="02040503050406030204" pitchFamily="18" charset="0"/>
+                      </a:rPr>
+                      <m:t>+</m:t>
+                    </m:r>
+                    <m:sSub>
+                      <m:sSubPr>
+                        <m:ctrlPr>
+                          <a:rPr lang="en-US" b="0" i="1" smtClean="0">
+                            <a:solidFill>
+                              <a:schemeClr val="accent5"/>
+                            </a:solidFill>
+                            <a:latin typeface="Cambria Math" panose="02040503050406030204" pitchFamily="18" charset="0"/>
+                          </a:rPr>
+                        </m:ctrlPr>
+                      </m:sSubPr>
+                      <m:e>
+                        <m:r>
+                          <a:rPr lang="en-US" b="0" i="1" smtClean="0">
+                            <a:solidFill>
+                              <a:schemeClr val="accent5"/>
+                            </a:solidFill>
+                            <a:latin typeface="Cambria Math" panose="02040503050406030204" pitchFamily="18" charset="0"/>
+                          </a:rPr>
+                          <m:t>𝑢</m:t>
+                        </m:r>
+                      </m:e>
+                      <m:sub>
+                        <m:r>
+                          <a:rPr lang="en-US" b="0" i="1" smtClean="0">
+                            <a:solidFill>
+                              <a:schemeClr val="accent5"/>
+                            </a:solidFill>
+                            <a:latin typeface="Cambria Math" panose="02040503050406030204" pitchFamily="18" charset="0"/>
+                          </a:rPr>
+                          <m:t>𝑗𝑖</m:t>
+                        </m:r>
+                      </m:sub>
+                    </m:sSub>
+                    <m:r>
+                      <a:rPr lang="en-US" b="0" i="1" smtClean="0">
+                        <a:solidFill>
+                          <a:schemeClr val="accent5"/>
+                        </a:solidFill>
+                        <a:latin typeface="Cambria Math" panose="02040503050406030204" pitchFamily="18" charset="0"/>
+                      </a:rPr>
+                      <m:t>≤1, ∀</m:t>
+                    </m:r>
+                    <m:r>
+                      <a:rPr lang="en-US" b="0" i="1" smtClean="0">
+                        <a:solidFill>
+                          <a:schemeClr val="accent5"/>
+                        </a:solidFill>
+                        <a:latin typeface="Cambria Math" panose="02040503050406030204" pitchFamily="18" charset="0"/>
+                      </a:rPr>
+                      <m:t>𝑖</m:t>
+                    </m:r>
+                    <m:r>
+                      <a:rPr lang="en-US" b="0" i="1" smtClean="0">
+                        <a:solidFill>
+                          <a:schemeClr val="accent5"/>
+                        </a:solidFill>
+                        <a:latin typeface="Cambria Math" panose="02040503050406030204" pitchFamily="18" charset="0"/>
+                      </a:rPr>
+                      <m:t>,</m:t>
+                    </m:r>
+                    <m:r>
+                      <a:rPr lang="en-US" b="0" i="1" smtClean="0">
+                        <a:solidFill>
+                          <a:schemeClr val="accent5"/>
+                        </a:solidFill>
+                        <a:latin typeface="Cambria Math" panose="02040503050406030204" pitchFamily="18" charset="0"/>
+                      </a:rPr>
+                      <m:t>𝑗</m:t>
+                    </m:r>
+                  </m:oMath>
+                </a14:m>
+                <a:r>
+                  <a:rPr lang="en-US" b="0" dirty="0">
+                    <a:solidFill>
+                      <a:schemeClr val="accent5"/>
+                    </a:solidFill>
+                  </a:rPr>
+                  <a:t> </a:t>
+                </a:r>
+              </a:p>
+              <a:p>
+                <a:pPr marL="0" indent="0" algn="ctr">
+                  <a:buNone/>
+                </a:pPr>
+                <a:endParaRPr lang="en-US" b="0" i="1" dirty="0">
+                  <a:latin typeface="Cambria Math" panose="02040503050406030204" pitchFamily="18" charset="0"/>
+                </a:endParaRPr>
+              </a:p>
+              <a:p>
+                <a:pPr marL="0" indent="0" algn="ctr">
+                  <a:buNone/>
+                </a:pPr>
+                <a14:m>
+                  <m:oMath xmlns:m="http://schemas.openxmlformats.org/officeDocument/2006/math">
+                    <m:nary>
+                      <m:naryPr>
+                        <m:chr m:val="∑"/>
+                        <m:supHide m:val="on"/>
+                        <m:ctrlPr>
+                          <a:rPr lang="en-US" b="0" i="1" smtClean="0">
+                            <a:solidFill>
+                              <a:srgbClr val="C00000"/>
+                            </a:solidFill>
+                            <a:latin typeface="Cambria Math" panose="02040503050406030204" pitchFamily="18" charset="0"/>
+                          </a:rPr>
+                        </m:ctrlPr>
+                      </m:naryPr>
+                      <m:sub>
+                        <m:r>
+                          <a:rPr lang="en-US" b="0" i="1" smtClean="0">
+                            <a:solidFill>
+                              <a:srgbClr val="C00000"/>
+                            </a:solidFill>
+                            <a:latin typeface="Cambria Math" panose="02040503050406030204" pitchFamily="18" charset="0"/>
+                          </a:rPr>
+                          <m:t>𝑗</m:t>
+                        </m:r>
+                      </m:sub>
+                      <m:sup/>
+                      <m:e>
+                        <m:sSub>
+                          <m:sSubPr>
+                            <m:ctrlPr>
+                              <a:rPr lang="en-US" b="0" i="1" smtClean="0">
+                                <a:solidFill>
+                                  <a:srgbClr val="C00000"/>
+                                </a:solidFill>
+                                <a:latin typeface="Cambria Math" panose="02040503050406030204" pitchFamily="18" charset="0"/>
+                              </a:rPr>
+                            </m:ctrlPr>
+                          </m:sSubPr>
+                          <m:e>
+                            <m:r>
+                              <a:rPr lang="en-US" b="0" i="1" smtClean="0">
+                                <a:solidFill>
+                                  <a:srgbClr val="C00000"/>
+                                </a:solidFill>
+                                <a:latin typeface="Cambria Math" panose="02040503050406030204" pitchFamily="18" charset="0"/>
+                              </a:rPr>
+                              <m:t>𝑢</m:t>
+                            </m:r>
+                          </m:e>
+                          <m:sub>
+                            <m:r>
+                              <a:rPr lang="en-US" b="0" i="1" smtClean="0">
+                                <a:solidFill>
+                                  <a:srgbClr val="C00000"/>
+                                </a:solidFill>
+                                <a:latin typeface="Cambria Math" panose="02040503050406030204" pitchFamily="18" charset="0"/>
+                              </a:rPr>
+                              <m:t>𝑖𝑗</m:t>
+                            </m:r>
+                          </m:sub>
+                        </m:sSub>
+                      </m:e>
+                    </m:nary>
+                    <m:r>
+                      <a:rPr lang="en-US" b="0" i="1" smtClean="0">
+                        <a:solidFill>
+                          <a:srgbClr val="C00000"/>
+                        </a:solidFill>
+                        <a:latin typeface="Cambria Math" panose="02040503050406030204" pitchFamily="18" charset="0"/>
+                      </a:rPr>
+                      <m:t>≤1</m:t>
+                    </m:r>
+                  </m:oMath>
+                </a14:m>
+                <a:r>
+                  <a:rPr lang="en-US" dirty="0">
+                    <a:solidFill>
+                      <a:srgbClr val="C00000"/>
+                    </a:solidFill>
+                  </a:rPr>
+                  <a:t> </a:t>
+                </a:r>
+              </a:p>
+              <a:p>
+                <a:pPr marL="0" indent="0">
+                  <a:buNone/>
+                </a:pPr>
+                <a:endParaRPr lang="en-US" dirty="0"/>
+              </a:p>
+              <a:p>
+                <a14:m>
+                  <m:oMath xmlns:m="http://schemas.openxmlformats.org/officeDocument/2006/math">
+                    <m:sSub>
+                      <m:sSubPr>
+                        <m:ctrlPr>
+                          <a:rPr lang="en-US" i="1">
+                            <a:latin typeface="Cambria Math" panose="02040503050406030204" pitchFamily="18" charset="0"/>
+                          </a:rPr>
+                        </m:ctrlPr>
+                      </m:sSubPr>
+                      <m:e>
+                        <m:r>
+                          <a:rPr lang="en-US" i="1">
+                            <a:latin typeface="Cambria Math" panose="02040503050406030204" pitchFamily="18" charset="0"/>
+                          </a:rPr>
+                          <m:t>𝑐</m:t>
+                        </m:r>
+                      </m:e>
+                      <m:sub>
+                        <m:r>
+                          <a:rPr lang="en-US" i="1">
+                            <a:latin typeface="Cambria Math" panose="02040503050406030204" pitchFamily="18" charset="0"/>
+                          </a:rPr>
+                          <m:t>𝑖𝑗</m:t>
+                        </m:r>
+                      </m:sub>
+                    </m:sSub>
+                  </m:oMath>
+                </a14:m>
+                <a:r>
+                  <a:rPr lang="en-US" dirty="0"/>
+                  <a:t>: avoidance priority</a:t>
+                </a:r>
+              </a:p>
+              <a:p>
+                <a14:m>
+                  <m:oMath xmlns:m="http://schemas.openxmlformats.org/officeDocument/2006/math">
+                    <m:sSub>
+                      <m:sSubPr>
+                        <m:ctrlPr>
+                          <a:rPr lang="en-US" i="1">
+                            <a:latin typeface="Cambria Math" panose="02040503050406030204" pitchFamily="18" charset="0"/>
+                          </a:rPr>
+                        </m:ctrlPr>
+                      </m:sSubPr>
+                      <m:e>
+                        <m:r>
+                          <a:rPr lang="en-US" i="1">
+                            <a:latin typeface="Cambria Math" panose="02040503050406030204" pitchFamily="18" charset="0"/>
+                          </a:rPr>
+                          <m:t>𝑢</m:t>
+                        </m:r>
+                      </m:e>
+                      <m:sub>
+                        <m:r>
+                          <a:rPr lang="en-US" i="1">
+                            <a:latin typeface="Cambria Math" panose="02040503050406030204" pitchFamily="18" charset="0"/>
+                          </a:rPr>
+                          <m:t>𝑖𝑗</m:t>
+                        </m:r>
+                      </m:sub>
+                    </m:sSub>
+                  </m:oMath>
+                </a14:m>
+                <a:r>
+                  <a:rPr lang="en-US" dirty="0"/>
+                  <a:t>: whether vehicle </a:t>
+                </a:r>
+                <a14:m>
+                  <m:oMath xmlns:m="http://schemas.openxmlformats.org/officeDocument/2006/math">
+                    <m:r>
+                      <a:rPr lang="en-US" i="1">
+                        <a:latin typeface="Cambria Math" panose="02040503050406030204" pitchFamily="18" charset="0"/>
+                      </a:rPr>
+                      <m:t>𝑖</m:t>
+                    </m:r>
+                  </m:oMath>
+                </a14:m>
+                <a:r>
+                  <a:rPr lang="en-US" dirty="0"/>
+                  <a:t> avoids </a:t>
+                </a:r>
+                <a14:m>
+                  <m:oMath xmlns:m="http://schemas.openxmlformats.org/officeDocument/2006/math">
+                    <m:r>
+                      <a:rPr lang="en-US" i="1">
+                        <a:latin typeface="Cambria Math" panose="02040503050406030204" pitchFamily="18" charset="0"/>
+                      </a:rPr>
+                      <m:t>𝑗</m:t>
+                    </m:r>
+                  </m:oMath>
+                </a14:m>
+                <a:endParaRPr lang="en-US" dirty="0"/>
+              </a:p>
+              <a:p>
+                <a:pPr marL="0" indent="0">
+                  <a:buNone/>
+                </a:pPr>
+                <a:endParaRPr lang="en-US" dirty="0"/>
+              </a:p>
+            </p:txBody>
+          </p:sp>
+        </mc:Choice>
+        <mc:Fallback>
+          <p:sp>
+            <p:nvSpPr>
+              <p:cNvPr id="3" name="Content Placeholder 2"/>
+              <p:cNvSpPr>
+                <a:spLocks noGrp="1" noRot="1" noChangeAspect="1" noMove="1" noResize="1" noEditPoints="1" noAdjustHandles="1" noChangeArrowheads="1" noChangeShapeType="1" noTextEdit="1"/>
+              </p:cNvSpPr>
+              <p:nvPr>
+                <p:ph sz="half" idx="1"/>
+              </p:nvPr>
+            </p:nvSpPr>
+            <p:spPr>
+              <a:blipFill>
+                <a:blip r:embed="rId2"/>
+                <a:stretch>
+                  <a:fillRect b="-3641"/>
+                </a:stretch>
+              </a:blipFill>
+            </p:spPr>
+            <p:txBody>
+              <a:bodyPr/>
+              <a:lstStyle/>
+              <a:p>
+                <a:r>
+                  <a:rPr lang="en-US">
+                    <a:noFill/>
+                  </a:rPr>
+                  <a:t> </a:t>
+                </a:r>
+              </a:p>
+            </p:txBody>
+          </p:sp>
+        </mc:Fallback>
+      </mc:AlternateContent>
+      <p:sp>
+        <p:nvSpPr>
+          <p:cNvPr id="4" name="Content Placeholder 3"/>
+          <p:cNvSpPr>
+            <a:spLocks noGrp="1"/>
+          </p:cNvSpPr>
+          <p:nvPr>
+            <p:ph sz="half" idx="2"/>
+          </p:nvPr>
+        </p:nvSpPr>
+        <p:spPr/>
+        <p:txBody>
+          <a:bodyPr>
+            <a:normAutofit lnSpcReduction="10000"/>
+          </a:bodyPr>
+          <a:lstStyle/>
+          <a:p>
+            <a:r>
+              <a:rPr lang="en-US" dirty="0"/>
+              <a:t>Maximize number of resolved conflicts</a:t>
+            </a:r>
+          </a:p>
+          <a:p>
+            <a:endParaRPr lang="en-US" dirty="0"/>
+          </a:p>
+          <a:p>
+            <a:endParaRPr lang="en-US" dirty="0"/>
+          </a:p>
+          <a:p>
+            <a:r>
+              <a:rPr lang="en-US" dirty="0">
+                <a:solidFill>
+                  <a:schemeClr val="accent5"/>
+                </a:solidFill>
+              </a:rPr>
+              <a:t>Efficient use of control authority</a:t>
+            </a:r>
+          </a:p>
+          <a:p>
+            <a:endParaRPr lang="en-US" dirty="0"/>
+          </a:p>
+          <a:p>
+            <a:r>
+              <a:rPr lang="en-US" dirty="0">
+                <a:solidFill>
+                  <a:srgbClr val="C00000"/>
+                </a:solidFill>
+              </a:rPr>
+              <a:t>Avoidance limitations</a:t>
+            </a:r>
+          </a:p>
+          <a:p>
+            <a:endParaRPr lang="en-US" dirty="0"/>
+          </a:p>
+          <a:p>
+            <a:endParaRPr lang="en-US" dirty="0"/>
+          </a:p>
+          <a:p>
+            <a:endParaRPr lang="en-US" dirty="0"/>
+          </a:p>
+          <a:p>
+            <a:pPr marL="0" indent="0">
+              <a:buNone/>
+            </a:pPr>
+            <a:endParaRPr lang="en-US" dirty="0"/>
+          </a:p>
+        </p:txBody>
+      </p:sp>
+    </p:spTree>
+    <p:extLst>
+      <p:ext uri="{BB962C8B-B14F-4D97-AF65-F5344CB8AC3E}">
+        <p14:creationId xmlns:p14="http://schemas.microsoft.com/office/powerpoint/2010/main" val="4024317364"/>
       </p:ext>
     </p:extLst>
   </p:cSld>
